--- a/Trabalho 1 - DM112.pptx
+++ b/Trabalho 1 - DM112.pptx
@@ -9,11 +9,13 @@
     <p:sldId id="260" r:id="rId3"/>
     <p:sldId id="257" r:id="rId4"/>
     <p:sldId id="258" r:id="rId5"/>
-    <p:sldId id="264" r:id="rId6"/>
-    <p:sldId id="259" r:id="rId7"/>
-    <p:sldId id="261" r:id="rId8"/>
-    <p:sldId id="262" r:id="rId9"/>
-    <p:sldId id="263" r:id="rId10"/>
+    <p:sldId id="266" r:id="rId6"/>
+    <p:sldId id="264" r:id="rId7"/>
+    <p:sldId id="265" r:id="rId8"/>
+    <p:sldId id="259" r:id="rId9"/>
+    <p:sldId id="261" r:id="rId10"/>
+    <p:sldId id="262" r:id="rId11"/>
+    <p:sldId id="263" r:id="rId12"/>
   </p:sldIdLst>
   <p:sldSz cx="12192000" cy="6858000"/>
   <p:notesSz cx="6858000" cy="9144000"/>
@@ -162,7 +164,7 @@
           </a:lstStyle>
           <a:p>
             <a:r>
-              <a:rPr lang="en-US" smtClean="0"/>
+              <a:rPr lang="en-US"/>
               <a:t>Click to edit Master title style</a:t>
             </a:r>
             <a:endParaRPr lang="pt-BR"/>
@@ -227,7 +229,7 @@
           </a:lstStyle>
           <a:p>
             <a:r>
-              <a:rPr lang="en-US" smtClean="0"/>
+              <a:rPr lang="en-US"/>
               <a:t>Click to edit Master subtitle style</a:t>
             </a:r>
             <a:endParaRPr lang="pt-BR"/>
@@ -251,7 +253,7 @@
           <a:p>
             <a:fld id="{C00E92FC-7591-4BDF-97C5-E52E8AAD597C}" type="datetimeFigureOut">
               <a:rPr lang="pt-BR" smtClean="0"/>
-              <a:t>30/03/2022</a:t>
+              <a:t>01/04/2022</a:t>
             </a:fld>
             <a:endParaRPr lang="pt-BR"/>
           </a:p>
@@ -293,7 +295,7 @@
           <a:p>
             <a:fld id="{1F580DDC-887E-485B-BA0D-AF8F8A42D324}" type="slidenum">
               <a:rPr lang="pt-BR" smtClean="0"/>
-              <a:t>‹#›</a:t>
+              <a:t>‹nº›</a:t>
             </a:fld>
             <a:endParaRPr lang="pt-BR"/>
           </a:p>
@@ -345,7 +347,7 @@
           <a:lstStyle/>
           <a:p>
             <a:r>
-              <a:rPr lang="en-US" smtClean="0"/>
+              <a:rPr lang="en-US"/>
               <a:t>Click to edit Master title style</a:t>
             </a:r>
             <a:endParaRPr lang="pt-BR"/>
@@ -369,35 +371,35 @@
           <a:p>
             <a:pPr lvl="0"/>
             <a:r>
-              <a:rPr lang="en-US" smtClean="0"/>
+              <a:rPr lang="en-US"/>
               <a:t>Edit Master text styles</a:t>
             </a:r>
           </a:p>
           <a:p>
             <a:pPr lvl="1"/>
             <a:r>
-              <a:rPr lang="en-US" smtClean="0"/>
+              <a:rPr lang="en-US"/>
               <a:t>Second level</a:t>
             </a:r>
           </a:p>
           <a:p>
             <a:pPr lvl="2"/>
             <a:r>
-              <a:rPr lang="en-US" smtClean="0"/>
+              <a:rPr lang="en-US"/>
               <a:t>Third level</a:t>
             </a:r>
           </a:p>
           <a:p>
             <a:pPr lvl="3"/>
             <a:r>
-              <a:rPr lang="en-US" smtClean="0"/>
+              <a:rPr lang="en-US"/>
               <a:t>Fourth level</a:t>
             </a:r>
           </a:p>
           <a:p>
             <a:pPr lvl="4"/>
             <a:r>
-              <a:rPr lang="en-US" smtClean="0"/>
+              <a:rPr lang="en-US"/>
               <a:t>Fifth level</a:t>
             </a:r>
             <a:endParaRPr lang="pt-BR"/>
@@ -421,7 +423,7 @@
           <a:p>
             <a:fld id="{C00E92FC-7591-4BDF-97C5-E52E8AAD597C}" type="datetimeFigureOut">
               <a:rPr lang="pt-BR" smtClean="0"/>
-              <a:t>30/03/2022</a:t>
+              <a:t>01/04/2022</a:t>
             </a:fld>
             <a:endParaRPr lang="pt-BR"/>
           </a:p>
@@ -463,7 +465,7 @@
           <a:p>
             <a:fld id="{1F580DDC-887E-485B-BA0D-AF8F8A42D324}" type="slidenum">
               <a:rPr lang="pt-BR" smtClean="0"/>
-              <a:t>‹#›</a:t>
+              <a:t>‹nº›</a:t>
             </a:fld>
             <a:endParaRPr lang="pt-BR"/>
           </a:p>
@@ -520,7 +522,7 @@
           <a:lstStyle/>
           <a:p>
             <a:r>
-              <a:rPr lang="en-US" smtClean="0"/>
+              <a:rPr lang="en-US"/>
               <a:t>Click to edit Master title style</a:t>
             </a:r>
             <a:endParaRPr lang="pt-BR"/>
@@ -549,35 +551,35 @@
           <a:p>
             <a:pPr lvl="0"/>
             <a:r>
-              <a:rPr lang="en-US" smtClean="0"/>
+              <a:rPr lang="en-US"/>
               <a:t>Edit Master text styles</a:t>
             </a:r>
           </a:p>
           <a:p>
             <a:pPr lvl="1"/>
             <a:r>
-              <a:rPr lang="en-US" smtClean="0"/>
+              <a:rPr lang="en-US"/>
               <a:t>Second level</a:t>
             </a:r>
           </a:p>
           <a:p>
             <a:pPr lvl="2"/>
             <a:r>
-              <a:rPr lang="en-US" smtClean="0"/>
+              <a:rPr lang="en-US"/>
               <a:t>Third level</a:t>
             </a:r>
           </a:p>
           <a:p>
             <a:pPr lvl="3"/>
             <a:r>
-              <a:rPr lang="en-US" smtClean="0"/>
+              <a:rPr lang="en-US"/>
               <a:t>Fourth level</a:t>
             </a:r>
           </a:p>
           <a:p>
             <a:pPr lvl="4"/>
             <a:r>
-              <a:rPr lang="en-US" smtClean="0"/>
+              <a:rPr lang="en-US"/>
               <a:t>Fifth level</a:t>
             </a:r>
             <a:endParaRPr lang="pt-BR"/>
@@ -601,7 +603,7 @@
           <a:p>
             <a:fld id="{C00E92FC-7591-4BDF-97C5-E52E8AAD597C}" type="datetimeFigureOut">
               <a:rPr lang="pt-BR" smtClean="0"/>
-              <a:t>30/03/2022</a:t>
+              <a:t>01/04/2022</a:t>
             </a:fld>
             <a:endParaRPr lang="pt-BR"/>
           </a:p>
@@ -643,7 +645,7 @@
           <a:p>
             <a:fld id="{1F580DDC-887E-485B-BA0D-AF8F8A42D324}" type="slidenum">
               <a:rPr lang="pt-BR" smtClean="0"/>
-              <a:t>‹#›</a:t>
+              <a:t>‹nº›</a:t>
             </a:fld>
             <a:endParaRPr lang="pt-BR"/>
           </a:p>
@@ -695,7 +697,7 @@
           <a:lstStyle/>
           <a:p>
             <a:r>
-              <a:rPr lang="en-US" smtClean="0"/>
+              <a:rPr lang="en-US"/>
               <a:t>Click to edit Master title style</a:t>
             </a:r>
             <a:endParaRPr lang="pt-BR"/>
@@ -719,35 +721,35 @@
           <a:p>
             <a:pPr lvl="0"/>
             <a:r>
-              <a:rPr lang="en-US" smtClean="0"/>
+              <a:rPr lang="en-US"/>
               <a:t>Edit Master text styles</a:t>
             </a:r>
           </a:p>
           <a:p>
             <a:pPr lvl="1"/>
             <a:r>
-              <a:rPr lang="en-US" smtClean="0"/>
+              <a:rPr lang="en-US"/>
               <a:t>Second level</a:t>
             </a:r>
           </a:p>
           <a:p>
             <a:pPr lvl="2"/>
             <a:r>
-              <a:rPr lang="en-US" smtClean="0"/>
+              <a:rPr lang="en-US"/>
               <a:t>Third level</a:t>
             </a:r>
           </a:p>
           <a:p>
             <a:pPr lvl="3"/>
             <a:r>
-              <a:rPr lang="en-US" smtClean="0"/>
+              <a:rPr lang="en-US"/>
               <a:t>Fourth level</a:t>
             </a:r>
           </a:p>
           <a:p>
             <a:pPr lvl="4"/>
             <a:r>
-              <a:rPr lang="en-US" smtClean="0"/>
+              <a:rPr lang="en-US"/>
               <a:t>Fifth level</a:t>
             </a:r>
             <a:endParaRPr lang="pt-BR"/>
@@ -771,7 +773,7 @@
           <a:p>
             <a:fld id="{C00E92FC-7591-4BDF-97C5-E52E8AAD597C}" type="datetimeFigureOut">
               <a:rPr lang="pt-BR" smtClean="0"/>
-              <a:t>30/03/2022</a:t>
+              <a:t>01/04/2022</a:t>
             </a:fld>
             <a:endParaRPr lang="pt-BR"/>
           </a:p>
@@ -813,7 +815,7 @@
           <a:p>
             <a:fld id="{1F580DDC-887E-485B-BA0D-AF8F8A42D324}" type="slidenum">
               <a:rPr lang="pt-BR" smtClean="0"/>
-              <a:t>‹#›</a:t>
+              <a:t>‹nº›</a:t>
             </a:fld>
             <a:endParaRPr lang="pt-BR"/>
           </a:p>
@@ -874,7 +876,7 @@
           </a:lstStyle>
           <a:p>
             <a:r>
-              <a:rPr lang="en-US" smtClean="0"/>
+              <a:rPr lang="en-US"/>
               <a:t>Click to edit Master title style</a:t>
             </a:r>
             <a:endParaRPr lang="pt-BR"/>
@@ -994,7 +996,7 @@
           <a:p>
             <a:pPr lvl="0"/>
             <a:r>
-              <a:rPr lang="en-US" smtClean="0"/>
+              <a:rPr lang="en-US"/>
               <a:t>Edit Master text styles</a:t>
             </a:r>
           </a:p>
@@ -1017,7 +1019,7 @@
           <a:p>
             <a:fld id="{C00E92FC-7591-4BDF-97C5-E52E8AAD597C}" type="datetimeFigureOut">
               <a:rPr lang="pt-BR" smtClean="0"/>
-              <a:t>30/03/2022</a:t>
+              <a:t>01/04/2022</a:t>
             </a:fld>
             <a:endParaRPr lang="pt-BR"/>
           </a:p>
@@ -1059,7 +1061,7 @@
           <a:p>
             <a:fld id="{1F580DDC-887E-485B-BA0D-AF8F8A42D324}" type="slidenum">
               <a:rPr lang="pt-BR" smtClean="0"/>
-              <a:t>‹#›</a:t>
+              <a:t>‹nº›</a:t>
             </a:fld>
             <a:endParaRPr lang="pt-BR"/>
           </a:p>
@@ -1111,7 +1113,7 @@
           <a:lstStyle/>
           <a:p>
             <a:r>
-              <a:rPr lang="en-US" smtClean="0"/>
+              <a:rPr lang="en-US"/>
               <a:t>Click to edit Master title style</a:t>
             </a:r>
             <a:endParaRPr lang="pt-BR"/>
@@ -1140,35 +1142,35 @@
           <a:p>
             <a:pPr lvl="0"/>
             <a:r>
-              <a:rPr lang="en-US" smtClean="0"/>
+              <a:rPr lang="en-US"/>
               <a:t>Edit Master text styles</a:t>
             </a:r>
           </a:p>
           <a:p>
             <a:pPr lvl="1"/>
             <a:r>
-              <a:rPr lang="en-US" smtClean="0"/>
+              <a:rPr lang="en-US"/>
               <a:t>Second level</a:t>
             </a:r>
           </a:p>
           <a:p>
             <a:pPr lvl="2"/>
             <a:r>
-              <a:rPr lang="en-US" smtClean="0"/>
+              <a:rPr lang="en-US"/>
               <a:t>Third level</a:t>
             </a:r>
           </a:p>
           <a:p>
             <a:pPr lvl="3"/>
             <a:r>
-              <a:rPr lang="en-US" smtClean="0"/>
+              <a:rPr lang="en-US"/>
               <a:t>Fourth level</a:t>
             </a:r>
           </a:p>
           <a:p>
             <a:pPr lvl="4"/>
             <a:r>
-              <a:rPr lang="en-US" smtClean="0"/>
+              <a:rPr lang="en-US"/>
               <a:t>Fifth level</a:t>
             </a:r>
             <a:endParaRPr lang="pt-BR"/>
@@ -1197,35 +1199,35 @@
           <a:p>
             <a:pPr lvl="0"/>
             <a:r>
-              <a:rPr lang="en-US" smtClean="0"/>
+              <a:rPr lang="en-US"/>
               <a:t>Edit Master text styles</a:t>
             </a:r>
           </a:p>
           <a:p>
             <a:pPr lvl="1"/>
             <a:r>
-              <a:rPr lang="en-US" smtClean="0"/>
+              <a:rPr lang="en-US"/>
               <a:t>Second level</a:t>
             </a:r>
           </a:p>
           <a:p>
             <a:pPr lvl="2"/>
             <a:r>
-              <a:rPr lang="en-US" smtClean="0"/>
+              <a:rPr lang="en-US"/>
               <a:t>Third level</a:t>
             </a:r>
           </a:p>
           <a:p>
             <a:pPr lvl="3"/>
             <a:r>
-              <a:rPr lang="en-US" smtClean="0"/>
+              <a:rPr lang="en-US"/>
               <a:t>Fourth level</a:t>
             </a:r>
           </a:p>
           <a:p>
             <a:pPr lvl="4"/>
             <a:r>
-              <a:rPr lang="en-US" smtClean="0"/>
+              <a:rPr lang="en-US"/>
               <a:t>Fifth level</a:t>
             </a:r>
             <a:endParaRPr lang="pt-BR"/>
@@ -1249,7 +1251,7 @@
           <a:p>
             <a:fld id="{C00E92FC-7591-4BDF-97C5-E52E8AAD597C}" type="datetimeFigureOut">
               <a:rPr lang="pt-BR" smtClean="0"/>
-              <a:t>30/03/2022</a:t>
+              <a:t>01/04/2022</a:t>
             </a:fld>
             <a:endParaRPr lang="pt-BR"/>
           </a:p>
@@ -1291,7 +1293,7 @@
           <a:p>
             <a:fld id="{1F580DDC-887E-485B-BA0D-AF8F8A42D324}" type="slidenum">
               <a:rPr lang="pt-BR" smtClean="0"/>
-              <a:t>‹#›</a:t>
+              <a:t>‹nº›</a:t>
             </a:fld>
             <a:endParaRPr lang="pt-BR"/>
           </a:p>
@@ -1348,7 +1350,7 @@
           <a:lstStyle/>
           <a:p>
             <a:r>
-              <a:rPr lang="en-US" smtClean="0"/>
+              <a:rPr lang="en-US"/>
               <a:t>Click to edit Master title style</a:t>
             </a:r>
             <a:endParaRPr lang="pt-BR"/>
@@ -1414,7 +1416,7 @@
           <a:p>
             <a:pPr lvl="0"/>
             <a:r>
-              <a:rPr lang="en-US" smtClean="0"/>
+              <a:rPr lang="en-US"/>
               <a:t>Edit Master text styles</a:t>
             </a:r>
           </a:p>
@@ -1442,35 +1444,35 @@
           <a:p>
             <a:pPr lvl="0"/>
             <a:r>
-              <a:rPr lang="en-US" smtClean="0"/>
+              <a:rPr lang="en-US"/>
               <a:t>Edit Master text styles</a:t>
             </a:r>
           </a:p>
           <a:p>
             <a:pPr lvl="1"/>
             <a:r>
-              <a:rPr lang="en-US" smtClean="0"/>
+              <a:rPr lang="en-US"/>
               <a:t>Second level</a:t>
             </a:r>
           </a:p>
           <a:p>
             <a:pPr lvl="2"/>
             <a:r>
-              <a:rPr lang="en-US" smtClean="0"/>
+              <a:rPr lang="en-US"/>
               <a:t>Third level</a:t>
             </a:r>
           </a:p>
           <a:p>
             <a:pPr lvl="3"/>
             <a:r>
-              <a:rPr lang="en-US" smtClean="0"/>
+              <a:rPr lang="en-US"/>
               <a:t>Fourth level</a:t>
             </a:r>
           </a:p>
           <a:p>
             <a:pPr lvl="4"/>
             <a:r>
-              <a:rPr lang="en-US" smtClean="0"/>
+              <a:rPr lang="en-US"/>
               <a:t>Fifth level</a:t>
             </a:r>
             <a:endParaRPr lang="pt-BR"/>
@@ -1536,7 +1538,7 @@
           <a:p>
             <a:pPr lvl="0"/>
             <a:r>
-              <a:rPr lang="en-US" smtClean="0"/>
+              <a:rPr lang="en-US"/>
               <a:t>Edit Master text styles</a:t>
             </a:r>
           </a:p>
@@ -1564,35 +1566,35 @@
           <a:p>
             <a:pPr lvl="0"/>
             <a:r>
-              <a:rPr lang="en-US" smtClean="0"/>
+              <a:rPr lang="en-US"/>
               <a:t>Edit Master text styles</a:t>
             </a:r>
           </a:p>
           <a:p>
             <a:pPr lvl="1"/>
             <a:r>
-              <a:rPr lang="en-US" smtClean="0"/>
+              <a:rPr lang="en-US"/>
               <a:t>Second level</a:t>
             </a:r>
           </a:p>
           <a:p>
             <a:pPr lvl="2"/>
             <a:r>
-              <a:rPr lang="en-US" smtClean="0"/>
+              <a:rPr lang="en-US"/>
               <a:t>Third level</a:t>
             </a:r>
           </a:p>
           <a:p>
             <a:pPr lvl="3"/>
             <a:r>
-              <a:rPr lang="en-US" smtClean="0"/>
+              <a:rPr lang="en-US"/>
               <a:t>Fourth level</a:t>
             </a:r>
           </a:p>
           <a:p>
             <a:pPr lvl="4"/>
             <a:r>
-              <a:rPr lang="en-US" smtClean="0"/>
+              <a:rPr lang="en-US"/>
               <a:t>Fifth level</a:t>
             </a:r>
             <a:endParaRPr lang="pt-BR"/>
@@ -1616,7 +1618,7 @@
           <a:p>
             <a:fld id="{C00E92FC-7591-4BDF-97C5-E52E8AAD597C}" type="datetimeFigureOut">
               <a:rPr lang="pt-BR" smtClean="0"/>
-              <a:t>30/03/2022</a:t>
+              <a:t>01/04/2022</a:t>
             </a:fld>
             <a:endParaRPr lang="pt-BR"/>
           </a:p>
@@ -1658,7 +1660,7 @@
           <a:p>
             <a:fld id="{1F580DDC-887E-485B-BA0D-AF8F8A42D324}" type="slidenum">
               <a:rPr lang="pt-BR" smtClean="0"/>
-              <a:t>‹#›</a:t>
+              <a:t>‹nº›</a:t>
             </a:fld>
             <a:endParaRPr lang="pt-BR"/>
           </a:p>
@@ -1710,7 +1712,7 @@
           <a:lstStyle/>
           <a:p>
             <a:r>
-              <a:rPr lang="en-US" smtClean="0"/>
+              <a:rPr lang="en-US"/>
               <a:t>Click to edit Master title style</a:t>
             </a:r>
             <a:endParaRPr lang="pt-BR"/>
@@ -1734,7 +1736,7 @@
           <a:p>
             <a:fld id="{C00E92FC-7591-4BDF-97C5-E52E8AAD597C}" type="datetimeFigureOut">
               <a:rPr lang="pt-BR" smtClean="0"/>
-              <a:t>30/03/2022</a:t>
+              <a:t>01/04/2022</a:t>
             </a:fld>
             <a:endParaRPr lang="pt-BR"/>
           </a:p>
@@ -1776,7 +1778,7 @@
           <a:p>
             <a:fld id="{1F580DDC-887E-485B-BA0D-AF8F8A42D324}" type="slidenum">
               <a:rPr lang="pt-BR" smtClean="0"/>
-              <a:t>‹#›</a:t>
+              <a:t>‹nº›</a:t>
             </a:fld>
             <a:endParaRPr lang="pt-BR"/>
           </a:p>
@@ -1829,7 +1831,7 @@
           <a:p>
             <a:fld id="{C00E92FC-7591-4BDF-97C5-E52E8AAD597C}" type="datetimeFigureOut">
               <a:rPr lang="pt-BR" smtClean="0"/>
-              <a:t>30/03/2022</a:t>
+              <a:t>01/04/2022</a:t>
             </a:fld>
             <a:endParaRPr lang="pt-BR"/>
           </a:p>
@@ -1871,7 +1873,7 @@
           <a:p>
             <a:fld id="{1F580DDC-887E-485B-BA0D-AF8F8A42D324}" type="slidenum">
               <a:rPr lang="pt-BR" smtClean="0"/>
-              <a:t>‹#›</a:t>
+              <a:t>‹nº›</a:t>
             </a:fld>
             <a:endParaRPr lang="pt-BR"/>
           </a:p>
@@ -1932,7 +1934,7 @@
           </a:lstStyle>
           <a:p>
             <a:r>
-              <a:rPr lang="en-US" smtClean="0"/>
+              <a:rPr lang="en-US"/>
               <a:t>Click to edit Master title style</a:t>
             </a:r>
             <a:endParaRPr lang="pt-BR"/>
@@ -1989,35 +1991,35 @@
           <a:p>
             <a:pPr lvl="0"/>
             <a:r>
-              <a:rPr lang="en-US" smtClean="0"/>
+              <a:rPr lang="en-US"/>
               <a:t>Edit Master text styles</a:t>
             </a:r>
           </a:p>
           <a:p>
             <a:pPr lvl="1"/>
             <a:r>
-              <a:rPr lang="en-US" smtClean="0"/>
+              <a:rPr lang="en-US"/>
               <a:t>Second level</a:t>
             </a:r>
           </a:p>
           <a:p>
             <a:pPr lvl="2"/>
             <a:r>
-              <a:rPr lang="en-US" smtClean="0"/>
+              <a:rPr lang="en-US"/>
               <a:t>Third level</a:t>
             </a:r>
           </a:p>
           <a:p>
             <a:pPr lvl="3"/>
             <a:r>
-              <a:rPr lang="en-US" smtClean="0"/>
+              <a:rPr lang="en-US"/>
               <a:t>Fourth level</a:t>
             </a:r>
           </a:p>
           <a:p>
             <a:pPr lvl="4"/>
             <a:r>
-              <a:rPr lang="en-US" smtClean="0"/>
+              <a:rPr lang="en-US"/>
               <a:t>Fifth level</a:t>
             </a:r>
             <a:endParaRPr lang="pt-BR"/>
@@ -2083,7 +2085,7 @@
           <a:p>
             <a:pPr lvl="0"/>
             <a:r>
-              <a:rPr lang="en-US" smtClean="0"/>
+              <a:rPr lang="en-US"/>
               <a:t>Edit Master text styles</a:t>
             </a:r>
           </a:p>
@@ -2106,7 +2108,7 @@
           <a:p>
             <a:fld id="{C00E92FC-7591-4BDF-97C5-E52E8AAD597C}" type="datetimeFigureOut">
               <a:rPr lang="pt-BR" smtClean="0"/>
-              <a:t>30/03/2022</a:t>
+              <a:t>01/04/2022</a:t>
             </a:fld>
             <a:endParaRPr lang="pt-BR"/>
           </a:p>
@@ -2148,7 +2150,7 @@
           <a:p>
             <a:fld id="{1F580DDC-887E-485B-BA0D-AF8F8A42D324}" type="slidenum">
               <a:rPr lang="pt-BR" smtClean="0"/>
-              <a:t>‹#›</a:t>
+              <a:t>‹nº›</a:t>
             </a:fld>
             <a:endParaRPr lang="pt-BR"/>
           </a:p>
@@ -2209,7 +2211,7 @@
           </a:lstStyle>
           <a:p>
             <a:r>
-              <a:rPr lang="en-US" smtClean="0"/>
+              <a:rPr lang="en-US"/>
               <a:t>Click to edit Master title style</a:t>
             </a:r>
             <a:endParaRPr lang="pt-BR"/>
@@ -2336,7 +2338,7 @@
           <a:p>
             <a:pPr lvl="0"/>
             <a:r>
-              <a:rPr lang="en-US" smtClean="0"/>
+              <a:rPr lang="en-US"/>
               <a:t>Edit Master text styles</a:t>
             </a:r>
           </a:p>
@@ -2359,7 +2361,7 @@
           <a:p>
             <a:fld id="{C00E92FC-7591-4BDF-97C5-E52E8AAD597C}" type="datetimeFigureOut">
               <a:rPr lang="pt-BR" smtClean="0"/>
-              <a:t>30/03/2022</a:t>
+              <a:t>01/04/2022</a:t>
             </a:fld>
             <a:endParaRPr lang="pt-BR"/>
           </a:p>
@@ -2401,7 +2403,7 @@
           <a:p>
             <a:fld id="{1F580DDC-887E-485B-BA0D-AF8F8A42D324}" type="slidenum">
               <a:rPr lang="pt-BR" smtClean="0"/>
-              <a:t>‹#›</a:t>
+              <a:t>‹nº›</a:t>
             </a:fld>
             <a:endParaRPr lang="pt-BR"/>
           </a:p>
@@ -2468,7 +2470,7 @@
           <a:lstStyle/>
           <a:p>
             <a:r>
-              <a:rPr lang="en-US" smtClean="0"/>
+              <a:rPr lang="en-US"/>
               <a:t>Click to edit Master title style</a:t>
             </a:r>
             <a:endParaRPr lang="pt-BR"/>
@@ -2502,35 +2504,35 @@
           <a:p>
             <a:pPr lvl="0"/>
             <a:r>
-              <a:rPr lang="en-US" smtClean="0"/>
+              <a:rPr lang="en-US"/>
               <a:t>Edit Master text styles</a:t>
             </a:r>
           </a:p>
           <a:p>
             <a:pPr lvl="1"/>
             <a:r>
-              <a:rPr lang="en-US" smtClean="0"/>
+              <a:rPr lang="en-US"/>
               <a:t>Second level</a:t>
             </a:r>
           </a:p>
           <a:p>
             <a:pPr lvl="2"/>
             <a:r>
-              <a:rPr lang="en-US" smtClean="0"/>
+              <a:rPr lang="en-US"/>
               <a:t>Third level</a:t>
             </a:r>
           </a:p>
           <a:p>
             <a:pPr lvl="3"/>
             <a:r>
-              <a:rPr lang="en-US" smtClean="0"/>
+              <a:rPr lang="en-US"/>
               <a:t>Fourth level</a:t>
             </a:r>
           </a:p>
           <a:p>
             <a:pPr lvl="4"/>
             <a:r>
-              <a:rPr lang="en-US" smtClean="0"/>
+              <a:rPr lang="en-US"/>
               <a:t>Fifth level</a:t>
             </a:r>
             <a:endParaRPr lang="pt-BR"/>
@@ -2572,7 +2574,7 @@
           <a:p>
             <a:fld id="{C00E92FC-7591-4BDF-97C5-E52E8AAD597C}" type="datetimeFigureOut">
               <a:rPr lang="pt-BR" smtClean="0"/>
-              <a:t>30/03/2022</a:t>
+              <a:t>01/04/2022</a:t>
             </a:fld>
             <a:endParaRPr lang="pt-BR"/>
           </a:p>
@@ -2650,7 +2652,7 @@
           <a:p>
             <a:fld id="{1F580DDC-887E-485B-BA0D-AF8F8A42D324}" type="slidenum">
               <a:rPr lang="pt-BR" smtClean="0"/>
-              <a:t>‹#›</a:t>
+              <a:t>‹nº›</a:t>
             </a:fld>
             <a:endParaRPr lang="pt-BR"/>
           </a:p>
@@ -2677,13 +2679,6 @@
     <p:sldLayoutId id="2147483690" r:id="rId10"/>
     <p:sldLayoutId id="2147483691" r:id="rId11"/>
   </p:sldLayoutIdLst>
-  <p:timing>
-    <p:tnLst>
-      <p:par>
-        <p:cTn id="1" dur="indefinite" restart="never" nodeType="tmRoot"/>
-      </p:par>
-    </p:tnLst>
-  </p:timing>
   <p:txStyles>
     <p:titleStyle>
       <a:lvl1pPr algn="l" defTabSz="914400" rtl="0" eaLnBrk="1" latinLnBrk="0" hangingPunct="1">
@@ -3038,18 +3033,18 @@
           <a:p>
             <a:pPr algn="ctr"/>
             <a:r>
-              <a:rPr lang="pt-BR" sz="3200" b="1" dirty="0" smtClean="0"/>
+              <a:rPr lang="pt-BR" sz="3200" b="1" dirty="0"/>
               <a:t>Trabalho Final DM112 – Parte 1 </a:t>
             </a:r>
           </a:p>
           <a:p>
             <a:pPr algn="ctr"/>
-            <a:endParaRPr lang="pt-BR" sz="3200" b="1" u="sng" dirty="0" smtClean="0"/>
+            <a:endParaRPr lang="pt-BR" sz="3200" b="1" u="sng" dirty="0"/>
           </a:p>
           <a:p>
             <a:pPr algn="ctr"/>
             <a:r>
-              <a:rPr lang="pt-BR" sz="3200" b="1" dirty="0" smtClean="0"/>
+              <a:rPr lang="pt-BR" sz="3200" b="1" dirty="0"/>
               <a:t>Análise, modelagem e projetos orientado a serviços.</a:t>
             </a:r>
           </a:p>
@@ -3069,13 +3064,126 @@
   <p:clrMapOvr>
     <a:masterClrMapping/>
   </p:clrMapOvr>
-  <p:timing>
-    <p:tnLst>
-      <p:par>
-        <p:cTn id="1" dur="indefinite" restart="never" nodeType="tmRoot"/>
-      </p:par>
-    </p:tnLst>
-  </p:timing>
+</p:sld>
+</file>
+
+<file path=ppt/slides/slide10.xml><?xml version="1.0" encoding="utf-8"?>
+<p:sld xmlns:a="http://schemas.openxmlformats.org/drawingml/2006/main" xmlns:r="http://schemas.openxmlformats.org/officeDocument/2006/relationships" xmlns:p="http://schemas.openxmlformats.org/presentationml/2006/main">
+  <p:cSld>
+    <p:spTree>
+      <p:nvGrpSpPr>
+        <p:cNvPr id="1" name=""/>
+        <p:cNvGrpSpPr/>
+        <p:nvPr/>
+      </p:nvGrpSpPr>
+      <p:grpSpPr>
+        <a:xfrm>
+          <a:off x="0" y="0"/>
+          <a:ext cx="0" cy="0"/>
+          <a:chOff x="0" y="0"/>
+          <a:chExt cx="0" cy="0"/>
+        </a:xfrm>
+      </p:grpSpPr>
+      <p:pic>
+        <p:nvPicPr>
+          <p:cNvPr id="2" name="Imagem 1"/>
+          <p:cNvPicPr>
+            <a:picLocks noChangeAspect="1"/>
+          </p:cNvPicPr>
+          <p:nvPr/>
+        </p:nvPicPr>
+        <p:blipFill>
+          <a:blip r:embed="rId2" cstate="print">
+            <a:extLst>
+              <a:ext uri="{28A0092B-C50C-407E-A947-70E740481C1C}">
+                <a14:useLocalDpi xmlns:a14="http://schemas.microsoft.com/office/drawing/2010/main" val="0"/>
+              </a:ext>
+            </a:extLst>
+          </a:blip>
+          <a:stretch>
+            <a:fillRect/>
+          </a:stretch>
+        </p:blipFill>
+        <p:spPr>
+          <a:xfrm>
+            <a:off x="-1" y="0"/>
+            <a:ext cx="12191999" cy="6858000"/>
+          </a:xfrm>
+          <a:prstGeom prst="rect">
+            <a:avLst/>
+          </a:prstGeom>
+        </p:spPr>
+      </p:pic>
+    </p:spTree>
+    <p:extLst>
+      <p:ext uri="{BB962C8B-B14F-4D97-AF65-F5344CB8AC3E}">
+        <p14:creationId xmlns:p14="http://schemas.microsoft.com/office/powerpoint/2010/main" val="3297053397"/>
+      </p:ext>
+    </p:extLst>
+  </p:cSld>
+  <p:clrMapOvr>
+    <a:masterClrMapping/>
+  </p:clrMapOvr>
+</p:sld>
+</file>
+
+<file path=ppt/slides/slide11.xml><?xml version="1.0" encoding="utf-8"?>
+<p:sld xmlns:a="http://schemas.openxmlformats.org/drawingml/2006/main" xmlns:r="http://schemas.openxmlformats.org/officeDocument/2006/relationships" xmlns:p="http://schemas.openxmlformats.org/presentationml/2006/main">
+  <p:cSld>
+    <p:spTree>
+      <p:nvGrpSpPr>
+        <p:cNvPr id="1" name=""/>
+        <p:cNvGrpSpPr/>
+        <p:nvPr/>
+      </p:nvGrpSpPr>
+      <p:grpSpPr>
+        <a:xfrm>
+          <a:off x="0" y="0"/>
+          <a:ext cx="0" cy="0"/>
+          <a:chOff x="0" y="0"/>
+          <a:chExt cx="0" cy="0"/>
+        </a:xfrm>
+      </p:grpSpPr>
+      <p:pic>
+        <p:nvPicPr>
+          <p:cNvPr id="2" name="Imagem 1"/>
+          <p:cNvPicPr>
+            <a:picLocks noChangeAspect="1"/>
+          </p:cNvPicPr>
+          <p:nvPr/>
+        </p:nvPicPr>
+        <p:blipFill>
+          <a:blip r:embed="rId2" cstate="print">
+            <a:extLst>
+              <a:ext uri="{28A0092B-C50C-407E-A947-70E740481C1C}">
+                <a14:useLocalDpi xmlns:a14="http://schemas.microsoft.com/office/drawing/2010/main" val="0"/>
+              </a:ext>
+            </a:extLst>
+          </a:blip>
+          <a:stretch>
+            <a:fillRect/>
+          </a:stretch>
+        </p:blipFill>
+        <p:spPr>
+          <a:xfrm>
+            <a:off x="-1" y="0"/>
+            <a:ext cx="12191999" cy="6858000"/>
+          </a:xfrm>
+          <a:prstGeom prst="rect">
+            <a:avLst/>
+          </a:prstGeom>
+        </p:spPr>
+      </p:pic>
+    </p:spTree>
+    <p:extLst>
+      <p:ext uri="{BB962C8B-B14F-4D97-AF65-F5344CB8AC3E}">
+        <p14:creationId xmlns:p14="http://schemas.microsoft.com/office/powerpoint/2010/main" val="184515161"/>
+      </p:ext>
+    </p:extLst>
+  </p:cSld>
+  <p:clrMapOvr>
+    <a:masterClrMapping/>
+  </p:clrMapOvr>
 </p:sld>
 </file>
 
@@ -3148,12 +3256,8 @@
           <a:lstStyle/>
           <a:p>
             <a:r>
-              <a:rPr lang="pt-BR" sz="2000" dirty="0" smtClean="0"/>
-              <a:t>Aplicação </a:t>
-            </a:r>
-            <a:r>
               <a:rPr lang="pt-BR" sz="2000" dirty="0"/>
-              <a:t>dos passos de análise, modelagem e projeto orientado a serviços do</a:t>
+              <a:t>Aplicação dos passos de análise, modelagem e projeto orientado a serviços do</a:t>
             </a:r>
             <a:r>
               <a:rPr lang="pt-BR" sz="2000" b="1" dirty="0"/>
@@ -3163,14 +3267,13 @@
               <a:rPr lang="pt-BR" sz="2000" dirty="0"/>
               <a:t>, para o provedor de logística do projeto utilizado no curso.</a:t>
             </a:r>
-            <a:endParaRPr lang="pt-BR" sz="2400" dirty="0" smtClean="0"/>
-          </a:p>
-          <a:p>
-            <a:r>
-              <a:rPr lang="pt-BR" sz="2800" b="1" dirty="0" smtClean="0"/>
+            <a:endParaRPr lang="pt-BR" sz="2400" dirty="0"/>
+          </a:p>
+          <a:p>
+            <a:r>
+              <a:rPr lang="pt-BR" sz="2800" b="1" dirty="0"/>
               <a:t> </a:t>
             </a:r>
-            <a:endParaRPr lang="pt-BR" sz="2800" b="1" dirty="0"/>
           </a:p>
         </p:txBody>
       </p:sp>
@@ -3197,7 +3300,7 @@
           <a:p>
             <a:pPr algn="ctr"/>
             <a:r>
-              <a:rPr lang="pt-BR" sz="3200" b="1" dirty="0" smtClean="0"/>
+              <a:rPr lang="pt-BR" sz="3200" b="1" dirty="0"/>
               <a:t>Objetivo</a:t>
             </a:r>
             <a:endParaRPr lang="pt-BR" sz="2400" b="1" dirty="0"/>
@@ -3214,13 +3317,6 @@
   <p:clrMapOvr>
     <a:masterClrMapping/>
   </p:clrMapOvr>
-  <p:timing>
-    <p:tnLst>
-      <p:par>
-        <p:cTn id="1" dur="indefinite" restart="never" nodeType="tmRoot"/>
-      </p:par>
-    </p:tnLst>
-  </p:timing>
 </p:sld>
 </file>
 
@@ -3319,10 +3415,9 @@
           <a:p>
             <a:pPr algn="ctr"/>
             <a:r>
-              <a:rPr lang="pt-BR" sz="3200" b="1" dirty="0" smtClean="0"/>
+              <a:rPr lang="pt-BR" sz="3200" b="1" dirty="0"/>
               <a:t>Arquitetura do projeto utilizada no trabalho.</a:t>
             </a:r>
-            <a:endParaRPr lang="pt-BR" sz="3200" b="1" dirty="0"/>
           </a:p>
         </p:txBody>
       </p:sp>
@@ -3384,13 +3479,6 @@
   <p:clrMapOvr>
     <a:masterClrMapping/>
   </p:clrMapOvr>
-  <p:timing>
-    <p:tnLst>
-      <p:par>
-        <p:cTn id="1" dur="indefinite" restart="never" nodeType="tmRoot"/>
-      </p:par>
-    </p:tnLst>
-  </p:timing>
 </p:sld>
 </file>
 
@@ -3465,10 +3553,9 @@
           <a:p>
             <a:pPr algn="ctr"/>
             <a:r>
-              <a:rPr lang="pt-BR" sz="3200" b="1" dirty="0" smtClean="0"/>
+              <a:rPr lang="pt-BR" sz="3200" b="1" dirty="0"/>
               <a:t>Análise</a:t>
             </a:r>
-            <a:endParaRPr lang="pt-BR" sz="3200" b="1" dirty="0"/>
           </a:p>
         </p:txBody>
       </p:sp>
@@ -3496,7 +3583,7 @@
           <a:p>
             <a:pPr algn="just"/>
             <a:r>
-              <a:rPr lang="pt-BR" sz="2000" b="1" dirty="0" smtClean="0"/>
+              <a:rPr lang="pt-BR" sz="2000" b="1" dirty="0"/>
               <a:t>Passo 1 – Definição de:</a:t>
             </a:r>
           </a:p>
@@ -3510,7 +3597,7 @@
               <a:buChar char="q"/>
             </a:pPr>
             <a:r>
-              <a:rPr lang="pt-BR" sz="2000" b="1" dirty="0" smtClean="0"/>
+              <a:rPr lang="pt-BR" sz="2000" b="1" dirty="0"/>
               <a:t>Requisitos:</a:t>
             </a:r>
           </a:p>
@@ -3523,8 +3610,8 @@
               <a:buChar char="ü"/>
             </a:pPr>
             <a:r>
-              <a:rPr lang="pt-BR" sz="2000" dirty="0" smtClean="0"/>
-              <a:t> Fazer uma consulta na lista de pedidos a serem entregues.</a:t>
+              <a:rPr lang="pt-BR" sz="2000" dirty="0"/>
+              <a:t> Consultar a lista de pedidos a serem entregues.</a:t>
             </a:r>
           </a:p>
           <a:p>
@@ -3536,7 +3623,7 @@
               <a:buChar char="ü"/>
             </a:pPr>
             <a:r>
-              <a:rPr lang="pt-BR" sz="2000" dirty="0" smtClean="0"/>
+              <a:rPr lang="pt-BR" sz="2000" dirty="0"/>
               <a:t> Efetuar o registro de uma entrega de pedido bem sucedida.</a:t>
             </a:r>
           </a:p>
@@ -3549,7 +3636,7 @@
               <a:buChar char="ü"/>
             </a:pPr>
             <a:r>
-              <a:rPr lang="pt-BR" sz="2000" dirty="0" smtClean="0"/>
+              <a:rPr lang="pt-BR" sz="2000" dirty="0"/>
               <a:t> Reportar a entrega do pedido ao cliente por um e-mail.</a:t>
             </a:r>
           </a:p>
@@ -3561,7 +3648,7 @@
               <a:buFont typeface="Wingdings" panose="05000000000000000000" pitchFamily="2" charset="2"/>
               <a:buChar char="q"/>
             </a:pPr>
-            <a:endParaRPr lang="pt-BR" sz="2000" b="1" dirty="0" smtClean="0"/>
+            <a:endParaRPr lang="pt-BR" sz="2000" b="1" dirty="0"/>
           </a:p>
           <a:p>
             <a:pPr marL="342900" indent="-342900" algn="just">
@@ -3569,7 +3656,7 @@
               <a:buChar char="q"/>
             </a:pPr>
             <a:r>
-              <a:rPr lang="pt-BR" sz="2000" b="1" dirty="0" smtClean="0"/>
+              <a:rPr lang="pt-BR" sz="2000" b="1" dirty="0"/>
               <a:t>Fronteira da análise:</a:t>
             </a:r>
           </a:p>
@@ -3582,7 +3669,7 @@
               <a:buChar char="ü"/>
             </a:pPr>
             <a:r>
-              <a:rPr lang="pt-BR" sz="2000" dirty="0" smtClean="0"/>
+              <a:rPr lang="pt-BR" sz="2000" dirty="0"/>
               <a:t>O responsável pela entrega faz uma consulta na lista de pedidos a serem entregues.</a:t>
             </a:r>
           </a:p>
@@ -3595,7 +3682,7 @@
               <a:buChar char="ü"/>
             </a:pPr>
             <a:r>
-              <a:rPr lang="pt-BR" sz="2000" dirty="0" smtClean="0"/>
+              <a:rPr lang="pt-BR" sz="2000" dirty="0"/>
               <a:t>O entregador faz o registro da entrega de um pedido no sistema.</a:t>
             </a:r>
           </a:p>
@@ -3608,7 +3695,7 @@
               <a:buChar char="ü"/>
             </a:pPr>
             <a:r>
-              <a:rPr lang="pt-BR" sz="2000" dirty="0" smtClean="0"/>
+              <a:rPr lang="pt-BR" sz="2000" dirty="0"/>
               <a:t>O sistema executa o acesso ao servidor de e-mails.</a:t>
             </a:r>
           </a:p>
@@ -3617,7 +3704,7 @@
               <a:buFont typeface="Wingdings" panose="05000000000000000000" pitchFamily="2" charset="2"/>
               <a:buChar char="Ø"/>
             </a:pPr>
-            <a:endParaRPr lang="pt-BR" sz="2000" b="1" dirty="0" smtClean="0"/>
+            <a:endParaRPr lang="pt-BR" sz="2000" b="1" dirty="0"/>
           </a:p>
           <a:p>
             <a:pPr marL="342900" indent="-342900" algn="just">
@@ -3625,7 +3712,7 @@
               <a:buChar char="q"/>
             </a:pPr>
             <a:r>
-              <a:rPr lang="pt-BR" sz="2000" b="1" dirty="0" smtClean="0"/>
+              <a:rPr lang="pt-BR" sz="2000" b="1" dirty="0"/>
               <a:t>Partes envolvidas:</a:t>
             </a:r>
           </a:p>
@@ -3638,25 +3725,17 @@
               <a:buChar char="ü"/>
             </a:pPr>
             <a:r>
-              <a:rPr lang="pt-BR" sz="2000" dirty="0" smtClean="0"/>
-              <a:t>cliente</a:t>
-            </a:r>
-            <a:r>
               <a:rPr lang="pt-BR" sz="2000" dirty="0"/>
-              <a:t>, entregador, servidor de e-mails. (sistema </a:t>
-            </a:r>
-            <a:r>
-              <a:rPr lang="pt-BR" sz="2000" dirty="0" smtClean="0"/>
-              <a:t>?)</a:t>
-            </a:r>
-            <a:endParaRPr lang="pt-BR" sz="2000" b="1" dirty="0" smtClean="0"/>
+              <a:t>cliente, entregador, servidor de e-mails. (sistema ?)</a:t>
+            </a:r>
+            <a:endParaRPr lang="pt-BR" sz="2000" b="1" dirty="0"/>
           </a:p>
           <a:p>
             <a:pPr marL="285750" indent="-285750" algn="just">
               <a:buFont typeface="Arial" panose="020B0604020202020204" pitchFamily="34" charset="0"/>
               <a:buChar char="•"/>
             </a:pPr>
-            <a:endParaRPr lang="pt-BR" sz="2000" b="1" dirty="0" smtClean="0"/>
+            <a:endParaRPr lang="pt-BR" sz="2000" b="1" dirty="0"/>
           </a:p>
           <a:p>
             <a:pPr marL="342900" indent="-342900" algn="just">
@@ -3664,7 +3743,7 @@
               <a:buChar char="q"/>
             </a:pPr>
             <a:r>
-              <a:rPr lang="pt-BR" sz="2000" b="1" dirty="0" smtClean="0"/>
+              <a:rPr lang="pt-BR" sz="2000" b="1" dirty="0"/>
               <a:t>Partes afetadas da corporação: </a:t>
             </a:r>
           </a:p>
@@ -3678,34 +3757,29 @@
             </a:pPr>
             <a:r>
               <a:rPr lang="pt-BR" sz="2000" dirty="0"/>
-              <a:t>Setor de logística e </a:t>
-            </a:r>
-            <a:r>
-              <a:rPr lang="pt-BR" sz="2000" dirty="0" smtClean="0"/>
-              <a:t>estoque.</a:t>
-            </a:r>
-            <a:endParaRPr lang="pt-BR" sz="2000" dirty="0"/>
+              <a:t>Setor de logística e estoque.</a:t>
+            </a:r>
           </a:p>
           <a:p>
             <a:pPr marL="285750" indent="-285750" algn="just">
               <a:buFont typeface="Arial" panose="020B0604020202020204" pitchFamily="34" charset="0"/>
               <a:buChar char="•"/>
             </a:pPr>
-            <a:endParaRPr lang="pt-BR" sz="2000" dirty="0" smtClean="0"/>
+            <a:endParaRPr lang="pt-BR" sz="2000" dirty="0"/>
           </a:p>
           <a:p>
             <a:pPr marL="285750" indent="-285750" algn="just">
               <a:buFont typeface="Wingdings" panose="05000000000000000000" pitchFamily="2" charset="2"/>
               <a:buChar char="Ø"/>
             </a:pPr>
-            <a:endParaRPr lang="pt-BR" sz="2000" dirty="0" smtClean="0"/>
+            <a:endParaRPr lang="pt-BR" sz="2000" dirty="0"/>
           </a:p>
           <a:p>
             <a:pPr marL="285750" indent="-285750" algn="just">
               <a:buFont typeface="Wingdings" panose="05000000000000000000" pitchFamily="2" charset="2"/>
               <a:buChar char="Ø"/>
             </a:pPr>
-            <a:endParaRPr lang="pt-BR" sz="2000" dirty="0" smtClean="0"/>
+            <a:endParaRPr lang="pt-BR" sz="2000" dirty="0"/>
           </a:p>
         </p:txBody>
       </p:sp>
@@ -3719,13 +3793,6 @@
   <p:clrMapOvr>
     <a:masterClrMapping/>
   </p:clrMapOvr>
-  <p:timing>
-    <p:tnLst>
-      <p:par>
-        <p:cTn id="1" dur="indefinite" restart="never" nodeType="tmRoot"/>
-      </p:par>
-    </p:tnLst>
-  </p:timing>
 </p:sld>
 </file>
 
@@ -3800,10 +3867,9 @@
           <a:p>
             <a:pPr algn="ctr"/>
             <a:r>
-              <a:rPr lang="pt-BR" sz="3200" b="1" dirty="0" smtClean="0"/>
+              <a:rPr lang="pt-BR" sz="3200" b="1" dirty="0"/>
               <a:t>Análise</a:t>
             </a:r>
-            <a:endParaRPr lang="pt-BR" sz="3200" b="1" dirty="0"/>
           </a:p>
         </p:txBody>
       </p:sp>
@@ -3816,7 +3882,7 @@
         <p:spPr>
           <a:xfrm>
             <a:off x="1506734" y="966527"/>
-            <a:ext cx="9178517" cy="1015663"/>
+            <a:ext cx="9178517" cy="707886"/>
           </a:xfrm>
           <a:prstGeom prst="rect">
             <a:avLst/>
@@ -3831,37 +3897,66 @@
           <a:p>
             <a:pPr algn="just"/>
             <a:r>
-              <a:rPr lang="pt-BR" sz="2000" b="1" dirty="0" smtClean="0"/>
-              <a:t>Passo 2 – Identificação dos sistemas legados.</a:t>
-            </a:r>
-          </a:p>
-          <a:p>
-            <a:pPr algn="just"/>
-            <a:endParaRPr lang="pt-BR" sz="2000" smtClean="0"/>
-          </a:p>
-          <a:p>
-            <a:pPr algn="just"/>
-            <a:endParaRPr lang="pt-BR" sz="2000" dirty="0" smtClean="0"/>
-          </a:p>
-        </p:txBody>
-      </p:sp>
+              <a:rPr lang="pt-BR" sz="2000" b="1" dirty="0"/>
+              <a:t>Passo 1 – Modelo de alto nível</a:t>
+            </a:r>
+            <a:endParaRPr lang="pt-BR" sz="2000" dirty="0"/>
+          </a:p>
+          <a:p>
+            <a:pPr marL="285750" indent="-285750" algn="just">
+              <a:buFont typeface="Wingdings" panose="05000000000000000000" pitchFamily="2" charset="2"/>
+              <a:buChar char="Ø"/>
+            </a:pPr>
+            <a:endParaRPr lang="pt-BR" sz="2000" dirty="0"/>
+          </a:p>
+        </p:txBody>
+      </p:sp>
+      <p:pic>
+        <p:nvPicPr>
+          <p:cNvPr id="4" name="Imagem 3" descr="Diagrama&#10;&#10;Descrição gerada automaticamente">
+            <a:extLst>
+              <a:ext uri="{FF2B5EF4-FFF2-40B4-BE49-F238E27FC236}">
+                <a16:creationId xmlns:a16="http://schemas.microsoft.com/office/drawing/2014/main" id="{3FEF45B7-8157-4746-BE81-275B754C833A}"/>
+              </a:ext>
+            </a:extLst>
+          </p:cNvPr>
+          <p:cNvPicPr>
+            <a:picLocks noChangeAspect="1"/>
+          </p:cNvPicPr>
+          <p:nvPr/>
+        </p:nvPicPr>
+        <p:blipFill>
+          <a:blip r:embed="rId3">
+            <a:extLst>
+              <a:ext uri="{28A0092B-C50C-407E-A947-70E740481C1C}">
+                <a14:useLocalDpi xmlns:a14="http://schemas.microsoft.com/office/drawing/2010/main" val="0"/>
+              </a:ext>
+            </a:extLst>
+          </a:blip>
+          <a:stretch>
+            <a:fillRect/>
+          </a:stretch>
+        </p:blipFill>
+        <p:spPr>
+          <a:xfrm>
+            <a:off x="1624004" y="1673892"/>
+            <a:ext cx="8943975" cy="4533900"/>
+          </a:xfrm>
+          <a:prstGeom prst="rect">
+            <a:avLst/>
+          </a:prstGeom>
+        </p:spPr>
+      </p:pic>
     </p:spTree>
     <p:extLst>
       <p:ext uri="{BB962C8B-B14F-4D97-AF65-F5344CB8AC3E}">
-        <p14:creationId xmlns:p14="http://schemas.microsoft.com/office/powerpoint/2010/main" val="2138705854"/>
+        <p14:creationId xmlns:p14="http://schemas.microsoft.com/office/powerpoint/2010/main" val="773134319"/>
       </p:ext>
     </p:extLst>
   </p:cSld>
   <p:clrMapOvr>
     <a:masterClrMapping/>
   </p:clrMapOvr>
-  <p:timing>
-    <p:tnLst>
-      <p:par>
-        <p:cTn id="1" dur="indefinite" restart="never" nodeType="tmRoot"/>
-      </p:par>
-    </p:tnLst>
-  </p:timing>
 </p:sld>
 </file>
 
@@ -3904,7 +3999,7 @@
         </p:blipFill>
         <p:spPr>
           <a:xfrm>
-            <a:off x="-1" y="0"/>
+            <a:off x="-3" y="0"/>
             <a:ext cx="12191999" cy="6858000"/>
           </a:xfrm>
           <a:prstGeom prst="rect">
@@ -3912,23 +4007,84 @@
           </a:prstGeom>
         </p:spPr>
       </p:pic>
+      <p:sp>
+        <p:nvSpPr>
+          <p:cNvPr id="7" name="TextBox 6"/>
+          <p:cNvSpPr txBox="1"/>
+          <p:nvPr/>
+        </p:nvSpPr>
+        <p:spPr>
+          <a:xfrm>
+            <a:off x="2705812" y="122590"/>
+            <a:ext cx="6780363" cy="584775"/>
+          </a:xfrm>
+          <a:prstGeom prst="rect">
+            <a:avLst/>
+          </a:prstGeom>
+          <a:noFill/>
+        </p:spPr>
+        <p:txBody>
+          <a:bodyPr wrap="square" rtlCol="0">
+            <a:spAutoFit/>
+          </a:bodyPr>
+          <a:lstStyle/>
+          <a:p>
+            <a:pPr algn="ctr"/>
+            <a:r>
+              <a:rPr lang="pt-BR" sz="3200" b="1" dirty="0"/>
+              <a:t>Análise</a:t>
+            </a:r>
+          </a:p>
+        </p:txBody>
+      </p:sp>
+      <p:sp>
+        <p:nvSpPr>
+          <p:cNvPr id="8" name="TextBox 7"/>
+          <p:cNvSpPr txBox="1"/>
+          <p:nvPr/>
+        </p:nvSpPr>
+        <p:spPr>
+          <a:xfrm>
+            <a:off x="1506734" y="966527"/>
+            <a:ext cx="9178517" cy="1015663"/>
+          </a:xfrm>
+          <a:prstGeom prst="rect">
+            <a:avLst/>
+          </a:prstGeom>
+          <a:noFill/>
+        </p:spPr>
+        <p:txBody>
+          <a:bodyPr wrap="square" rtlCol="0">
+            <a:spAutoFit/>
+          </a:bodyPr>
+          <a:lstStyle/>
+          <a:p>
+            <a:pPr algn="just"/>
+            <a:r>
+              <a:rPr lang="pt-BR" sz="2000" b="1" dirty="0"/>
+              <a:t>Passo 2 – Identificação dos sistemas legados.</a:t>
+            </a:r>
+          </a:p>
+          <a:p>
+            <a:pPr algn="just"/>
+            <a:endParaRPr lang="pt-BR" sz="2000"/>
+          </a:p>
+          <a:p>
+            <a:pPr algn="just"/>
+            <a:endParaRPr lang="pt-BR" sz="2000" dirty="0"/>
+          </a:p>
+        </p:txBody>
+      </p:sp>
     </p:spTree>
     <p:extLst>
       <p:ext uri="{BB962C8B-B14F-4D97-AF65-F5344CB8AC3E}">
-        <p14:creationId xmlns:p14="http://schemas.microsoft.com/office/powerpoint/2010/main" val="981668510"/>
+        <p14:creationId xmlns:p14="http://schemas.microsoft.com/office/powerpoint/2010/main" val="2138705854"/>
       </p:ext>
     </p:extLst>
   </p:cSld>
   <p:clrMapOvr>
     <a:masterClrMapping/>
   </p:clrMapOvr>
-  <p:timing>
-    <p:tnLst>
-      <p:par>
-        <p:cTn id="1" dur="indefinite" restart="never" nodeType="tmRoot"/>
-      </p:par>
-    </p:tnLst>
-  </p:timing>
 </p:sld>
 </file>
 
@@ -3971,7 +4127,7 @@
         </p:blipFill>
         <p:spPr>
           <a:xfrm>
-            <a:off x="-1" y="0"/>
+            <a:off x="-3" y="0"/>
             <a:ext cx="12191999" cy="6858000"/>
           </a:xfrm>
           <a:prstGeom prst="rect">
@@ -3979,23 +4135,88 @@
           </a:prstGeom>
         </p:spPr>
       </p:pic>
+      <p:sp>
+        <p:nvSpPr>
+          <p:cNvPr id="7" name="TextBox 6"/>
+          <p:cNvSpPr txBox="1"/>
+          <p:nvPr/>
+        </p:nvSpPr>
+        <p:spPr>
+          <a:xfrm>
+            <a:off x="2705812" y="122590"/>
+            <a:ext cx="6780363" cy="584775"/>
+          </a:xfrm>
+          <a:prstGeom prst="rect">
+            <a:avLst/>
+          </a:prstGeom>
+          <a:noFill/>
+        </p:spPr>
+        <p:txBody>
+          <a:bodyPr wrap="square" rtlCol="0">
+            <a:spAutoFit/>
+          </a:bodyPr>
+          <a:lstStyle/>
+          <a:p>
+            <a:pPr algn="ctr"/>
+            <a:r>
+              <a:rPr lang="pt-BR" sz="3200" b="1" dirty="0"/>
+              <a:t>Análise</a:t>
+            </a:r>
+          </a:p>
+        </p:txBody>
+      </p:sp>
+      <p:sp>
+        <p:nvSpPr>
+          <p:cNvPr id="8" name="TextBox 7"/>
+          <p:cNvSpPr txBox="1"/>
+          <p:nvPr/>
+        </p:nvSpPr>
+        <p:spPr>
+          <a:xfrm>
+            <a:off x="1506734" y="966527"/>
+            <a:ext cx="9178517" cy="1015663"/>
+          </a:xfrm>
+          <a:prstGeom prst="rect">
+            <a:avLst/>
+          </a:prstGeom>
+          <a:noFill/>
+        </p:spPr>
+        <p:txBody>
+          <a:bodyPr wrap="square" rtlCol="0">
+            <a:spAutoFit/>
+          </a:bodyPr>
+          <a:lstStyle/>
+          <a:p>
+            <a:pPr algn="just"/>
+            <a:r>
+              <a:rPr lang="pt-BR" sz="2000" b="1" dirty="0"/>
+              <a:t>Passo 3 – Modelagem de Serviços Candidatos.</a:t>
+            </a:r>
+          </a:p>
+          <a:p>
+            <a:pPr algn="just"/>
+            <a:endParaRPr lang="pt-BR" sz="2000" b="1" dirty="0"/>
+          </a:p>
+          <a:p>
+            <a:pPr algn="just"/>
+            <a:r>
+              <a:rPr lang="pt-BR" sz="2000" b="1" dirty="0"/>
+              <a:t>a) Decomposição do processo de negócio</a:t>
+            </a:r>
+            <a:endParaRPr lang="pt-BR" sz="2000" dirty="0"/>
+          </a:p>
+        </p:txBody>
+      </p:sp>
     </p:spTree>
     <p:extLst>
       <p:ext uri="{BB962C8B-B14F-4D97-AF65-F5344CB8AC3E}">
-        <p14:creationId xmlns:p14="http://schemas.microsoft.com/office/powerpoint/2010/main" val="2872755806"/>
+        <p14:creationId xmlns:p14="http://schemas.microsoft.com/office/powerpoint/2010/main" val="4034745902"/>
       </p:ext>
     </p:extLst>
   </p:cSld>
   <p:clrMapOvr>
     <a:masterClrMapping/>
   </p:clrMapOvr>
-  <p:timing>
-    <p:tnLst>
-      <p:par>
-        <p:cTn id="1" dur="indefinite" restart="never" nodeType="tmRoot"/>
-      </p:par>
-    </p:tnLst>
-  </p:timing>
 </p:sld>
 </file>
 
@@ -4049,20 +4270,13 @@
     </p:spTree>
     <p:extLst>
       <p:ext uri="{BB962C8B-B14F-4D97-AF65-F5344CB8AC3E}">
-        <p14:creationId xmlns:p14="http://schemas.microsoft.com/office/powerpoint/2010/main" val="3297053397"/>
+        <p14:creationId xmlns:p14="http://schemas.microsoft.com/office/powerpoint/2010/main" val="981668510"/>
       </p:ext>
     </p:extLst>
   </p:cSld>
   <p:clrMapOvr>
     <a:masterClrMapping/>
   </p:clrMapOvr>
-  <p:timing>
-    <p:tnLst>
-      <p:par>
-        <p:cTn id="1" dur="indefinite" restart="never" nodeType="tmRoot"/>
-      </p:par>
-    </p:tnLst>
-  </p:timing>
 </p:sld>
 </file>
 
@@ -4116,20 +4330,13 @@
     </p:spTree>
     <p:extLst>
       <p:ext uri="{BB962C8B-B14F-4D97-AF65-F5344CB8AC3E}">
-        <p14:creationId xmlns:p14="http://schemas.microsoft.com/office/powerpoint/2010/main" val="184515161"/>
+        <p14:creationId xmlns:p14="http://schemas.microsoft.com/office/powerpoint/2010/main" val="2872755806"/>
       </p:ext>
     </p:extLst>
   </p:cSld>
   <p:clrMapOvr>
     <a:masterClrMapping/>
   </p:clrMapOvr>
-  <p:timing>
-    <p:tnLst>
-      <p:par>
-        <p:cTn id="1" dur="indefinite" restart="never" nodeType="tmRoot"/>
-      </p:par>
-    </p:tnLst>
-  </p:timing>
 </p:sld>
 </file>
 

--- a/Trabalho 1 - DM112.pptx
+++ b/Trabalho 1 - DM112.pptx
@@ -9,13 +9,20 @@
     <p:sldId id="260" r:id="rId3"/>
     <p:sldId id="257" r:id="rId4"/>
     <p:sldId id="258" r:id="rId5"/>
-    <p:sldId id="266" r:id="rId6"/>
-    <p:sldId id="264" r:id="rId7"/>
+    <p:sldId id="264" r:id="rId6"/>
+    <p:sldId id="266" r:id="rId7"/>
     <p:sldId id="265" r:id="rId8"/>
     <p:sldId id="259" r:id="rId9"/>
-    <p:sldId id="261" r:id="rId10"/>
-    <p:sldId id="262" r:id="rId11"/>
-    <p:sldId id="263" r:id="rId12"/>
+    <p:sldId id="267" r:id="rId10"/>
+    <p:sldId id="268" r:id="rId11"/>
+    <p:sldId id="261" r:id="rId12"/>
+    <p:sldId id="262" r:id="rId13"/>
+    <p:sldId id="263" r:id="rId14"/>
+    <p:sldId id="269" r:id="rId15"/>
+    <p:sldId id="276" r:id="rId16"/>
+    <p:sldId id="270" r:id="rId17"/>
+    <p:sldId id="277" r:id="rId18"/>
+    <p:sldId id="272" r:id="rId19"/>
   </p:sldIdLst>
   <p:sldSz cx="12192000" cy="6858000"/>
   <p:notesSz cx="6858000" cy="9144000"/>
@@ -253,7 +260,7 @@
           <a:p>
             <a:fld id="{C00E92FC-7591-4BDF-97C5-E52E8AAD597C}" type="datetimeFigureOut">
               <a:rPr lang="pt-BR" smtClean="0"/>
-              <a:t>01/04/2022</a:t>
+              <a:t>02/04/2022</a:t>
             </a:fld>
             <a:endParaRPr lang="pt-BR"/>
           </a:p>
@@ -423,7 +430,7 @@
           <a:p>
             <a:fld id="{C00E92FC-7591-4BDF-97C5-E52E8AAD597C}" type="datetimeFigureOut">
               <a:rPr lang="pt-BR" smtClean="0"/>
-              <a:t>01/04/2022</a:t>
+              <a:t>02/04/2022</a:t>
             </a:fld>
             <a:endParaRPr lang="pt-BR"/>
           </a:p>
@@ -603,7 +610,7 @@
           <a:p>
             <a:fld id="{C00E92FC-7591-4BDF-97C5-E52E8AAD597C}" type="datetimeFigureOut">
               <a:rPr lang="pt-BR" smtClean="0"/>
-              <a:t>01/04/2022</a:t>
+              <a:t>02/04/2022</a:t>
             </a:fld>
             <a:endParaRPr lang="pt-BR"/>
           </a:p>
@@ -773,7 +780,7 @@
           <a:p>
             <a:fld id="{C00E92FC-7591-4BDF-97C5-E52E8AAD597C}" type="datetimeFigureOut">
               <a:rPr lang="pt-BR" smtClean="0"/>
-              <a:t>01/04/2022</a:t>
+              <a:t>02/04/2022</a:t>
             </a:fld>
             <a:endParaRPr lang="pt-BR"/>
           </a:p>
@@ -1019,7 +1026,7 @@
           <a:p>
             <a:fld id="{C00E92FC-7591-4BDF-97C5-E52E8AAD597C}" type="datetimeFigureOut">
               <a:rPr lang="pt-BR" smtClean="0"/>
-              <a:t>01/04/2022</a:t>
+              <a:t>02/04/2022</a:t>
             </a:fld>
             <a:endParaRPr lang="pt-BR"/>
           </a:p>
@@ -1251,7 +1258,7 @@
           <a:p>
             <a:fld id="{C00E92FC-7591-4BDF-97C5-E52E8AAD597C}" type="datetimeFigureOut">
               <a:rPr lang="pt-BR" smtClean="0"/>
-              <a:t>01/04/2022</a:t>
+              <a:t>02/04/2022</a:t>
             </a:fld>
             <a:endParaRPr lang="pt-BR"/>
           </a:p>
@@ -1618,7 +1625,7 @@
           <a:p>
             <a:fld id="{C00E92FC-7591-4BDF-97C5-E52E8AAD597C}" type="datetimeFigureOut">
               <a:rPr lang="pt-BR" smtClean="0"/>
-              <a:t>01/04/2022</a:t>
+              <a:t>02/04/2022</a:t>
             </a:fld>
             <a:endParaRPr lang="pt-BR"/>
           </a:p>
@@ -1736,7 +1743,7 @@
           <a:p>
             <a:fld id="{C00E92FC-7591-4BDF-97C5-E52E8AAD597C}" type="datetimeFigureOut">
               <a:rPr lang="pt-BR" smtClean="0"/>
-              <a:t>01/04/2022</a:t>
+              <a:t>02/04/2022</a:t>
             </a:fld>
             <a:endParaRPr lang="pt-BR"/>
           </a:p>
@@ -1831,7 +1838,7 @@
           <a:p>
             <a:fld id="{C00E92FC-7591-4BDF-97C5-E52E8AAD597C}" type="datetimeFigureOut">
               <a:rPr lang="pt-BR" smtClean="0"/>
-              <a:t>01/04/2022</a:t>
+              <a:t>02/04/2022</a:t>
             </a:fld>
             <a:endParaRPr lang="pt-BR"/>
           </a:p>
@@ -2108,7 +2115,7 @@
           <a:p>
             <a:fld id="{C00E92FC-7591-4BDF-97C5-E52E8AAD597C}" type="datetimeFigureOut">
               <a:rPr lang="pt-BR" smtClean="0"/>
-              <a:t>01/04/2022</a:t>
+              <a:t>02/04/2022</a:t>
             </a:fld>
             <a:endParaRPr lang="pt-BR"/>
           </a:p>
@@ -2361,7 +2368,7 @@
           <a:p>
             <a:fld id="{C00E92FC-7591-4BDF-97C5-E52E8AAD597C}" type="datetimeFigureOut">
               <a:rPr lang="pt-BR" smtClean="0"/>
-              <a:t>01/04/2022</a:t>
+              <a:t>02/04/2022</a:t>
             </a:fld>
             <a:endParaRPr lang="pt-BR"/>
           </a:p>
@@ -2574,7 +2581,7 @@
           <a:p>
             <a:fld id="{C00E92FC-7591-4BDF-97C5-E52E8AAD597C}" type="datetimeFigureOut">
               <a:rPr lang="pt-BR" smtClean="0"/>
-              <a:t>01/04/2022</a:t>
+              <a:t>02/04/2022</a:t>
             </a:fld>
             <a:endParaRPr lang="pt-BR"/>
           </a:p>
@@ -3106,8 +3113,120 @@
         </p:blipFill>
         <p:spPr>
           <a:xfrm>
-            <a:off x="-1" y="0"/>
+            <a:off x="0" y="-122590"/>
             <a:ext cx="12191999" cy="6858000"/>
+          </a:xfrm>
+          <a:prstGeom prst="rect">
+            <a:avLst/>
+          </a:prstGeom>
+        </p:spPr>
+      </p:pic>
+      <p:sp>
+        <p:nvSpPr>
+          <p:cNvPr id="9" name="TextBox 6">
+            <a:extLst>
+              <a:ext uri="{FF2B5EF4-FFF2-40B4-BE49-F238E27FC236}">
+                <a16:creationId xmlns:a16="http://schemas.microsoft.com/office/drawing/2014/main" id="{9AFB9E92-E714-41A6-A03A-76B96C5511B9}"/>
+              </a:ext>
+            </a:extLst>
+          </p:cNvPr>
+          <p:cNvSpPr txBox="1"/>
+          <p:nvPr/>
+        </p:nvSpPr>
+        <p:spPr>
+          <a:xfrm>
+            <a:off x="2705812" y="122590"/>
+            <a:ext cx="6780363" cy="584775"/>
+          </a:xfrm>
+          <a:prstGeom prst="rect">
+            <a:avLst/>
+          </a:prstGeom>
+          <a:noFill/>
+        </p:spPr>
+        <p:txBody>
+          <a:bodyPr wrap="square" rtlCol="0">
+            <a:spAutoFit/>
+          </a:bodyPr>
+          <a:lstStyle/>
+          <a:p>
+            <a:pPr algn="ctr"/>
+            <a:r>
+              <a:rPr lang="pt-BR" sz="3200" b="1" dirty="0"/>
+              <a:t>Modelagem</a:t>
+            </a:r>
+          </a:p>
+        </p:txBody>
+      </p:sp>
+      <p:sp>
+        <p:nvSpPr>
+          <p:cNvPr id="10" name="TextBox 7">
+            <a:extLst>
+              <a:ext uri="{FF2B5EF4-FFF2-40B4-BE49-F238E27FC236}">
+                <a16:creationId xmlns:a16="http://schemas.microsoft.com/office/drawing/2014/main" id="{AB929119-373A-4441-8F42-0CB7A3C7C5F7}"/>
+              </a:ext>
+            </a:extLst>
+          </p:cNvPr>
+          <p:cNvSpPr txBox="1"/>
+          <p:nvPr/>
+        </p:nvSpPr>
+        <p:spPr>
+          <a:xfrm>
+            <a:off x="1506734" y="966527"/>
+            <a:ext cx="9178517" cy="400110"/>
+          </a:xfrm>
+          <a:prstGeom prst="rect">
+            <a:avLst/>
+          </a:prstGeom>
+          <a:noFill/>
+        </p:spPr>
+        <p:txBody>
+          <a:bodyPr wrap="square" rtlCol="0">
+            <a:spAutoFit/>
+          </a:bodyPr>
+          <a:lstStyle/>
+          <a:p>
+            <a:pPr algn="just">
+              <a:buClr>
+                <a:srgbClr val="00B0F0"/>
+              </a:buClr>
+            </a:pPr>
+            <a:r>
+              <a:rPr lang="pt-BR" sz="2000" dirty="0"/>
+              <a:t>Processo de envio de e-mails após a entrega do produto</a:t>
+            </a:r>
+          </a:p>
+        </p:txBody>
+      </p:sp>
+      <p:pic>
+        <p:nvPicPr>
+          <p:cNvPr id="5" name="Imagem 4" descr="Diagrama&#10;&#10;Descrição gerada automaticamente">
+            <a:extLst>
+              <a:ext uri="{FF2B5EF4-FFF2-40B4-BE49-F238E27FC236}">
+                <a16:creationId xmlns:a16="http://schemas.microsoft.com/office/drawing/2014/main" id="{2ACFE7DD-8382-43B5-9046-5F9A4F6ABAD8}"/>
+              </a:ext>
+            </a:extLst>
+          </p:cNvPr>
+          <p:cNvPicPr>
+            <a:picLocks noChangeAspect="1"/>
+          </p:cNvPicPr>
+          <p:nvPr/>
+        </p:nvPicPr>
+        <p:blipFill>
+          <a:blip r:embed="rId3">
+            <a:extLst>
+              <a:ext uri="{28A0092B-C50C-407E-A947-70E740481C1C}">
+                <a14:useLocalDpi xmlns:a14="http://schemas.microsoft.com/office/drawing/2010/main" val="0"/>
+              </a:ext>
+            </a:extLst>
+          </a:blip>
+          <a:stretch>
+            <a:fillRect/>
+          </a:stretch>
+        </p:blipFill>
+        <p:spPr>
+          <a:xfrm>
+            <a:off x="1447800" y="2085975"/>
+            <a:ext cx="9296400" cy="2686050"/>
           </a:xfrm>
           <a:prstGeom prst="rect">
             <a:avLst/>
@@ -3117,7 +3236,7 @@
     </p:spTree>
     <p:extLst>
       <p:ext uri="{BB962C8B-B14F-4D97-AF65-F5344CB8AC3E}">
-        <p14:creationId xmlns:p14="http://schemas.microsoft.com/office/powerpoint/2010/main" val="3297053397"/>
+        <p14:creationId xmlns:p14="http://schemas.microsoft.com/office/powerpoint/2010/main" val="612257785"/>
       </p:ext>
     </p:extLst>
   </p:cSld>
@@ -3166,8 +3285,117 @@
         </p:blipFill>
         <p:spPr>
           <a:xfrm>
-            <a:off x="-1" y="0"/>
+            <a:off x="0" y="-122590"/>
             <a:ext cx="12191999" cy="6858000"/>
+          </a:xfrm>
+          <a:prstGeom prst="rect">
+            <a:avLst/>
+          </a:prstGeom>
+        </p:spPr>
+      </p:pic>
+      <p:sp>
+        <p:nvSpPr>
+          <p:cNvPr id="3" name="TextBox 7">
+            <a:extLst>
+              <a:ext uri="{FF2B5EF4-FFF2-40B4-BE49-F238E27FC236}">
+                <a16:creationId xmlns:a16="http://schemas.microsoft.com/office/drawing/2014/main" id="{87448E98-7973-477B-A131-36DCBB78A658}"/>
+              </a:ext>
+            </a:extLst>
+          </p:cNvPr>
+          <p:cNvSpPr txBox="1"/>
+          <p:nvPr/>
+        </p:nvSpPr>
+        <p:spPr>
+          <a:xfrm>
+            <a:off x="1506734" y="966527"/>
+            <a:ext cx="9178517" cy="400110"/>
+          </a:xfrm>
+          <a:prstGeom prst="rect">
+            <a:avLst/>
+          </a:prstGeom>
+          <a:noFill/>
+        </p:spPr>
+        <p:txBody>
+          <a:bodyPr wrap="square" rtlCol="0">
+            <a:spAutoFit/>
+          </a:bodyPr>
+          <a:lstStyle/>
+          <a:p>
+            <a:pPr algn="just"/>
+            <a:r>
+              <a:rPr lang="pt-BR" sz="2000" b="1" dirty="0"/>
+              <a:t>Passo 2 &amp; 3 – Identificando operações manuais / orquestração / serviços externos</a:t>
+            </a:r>
+            <a:endParaRPr lang="pt-BR" sz="2000" dirty="0"/>
+          </a:p>
+        </p:txBody>
+      </p:sp>
+      <p:sp>
+        <p:nvSpPr>
+          <p:cNvPr id="4" name="TextBox 6">
+            <a:extLst>
+              <a:ext uri="{FF2B5EF4-FFF2-40B4-BE49-F238E27FC236}">
+                <a16:creationId xmlns:a16="http://schemas.microsoft.com/office/drawing/2014/main" id="{73B9D1E4-B6D8-4F81-8658-C45361A7A3A5}"/>
+              </a:ext>
+            </a:extLst>
+          </p:cNvPr>
+          <p:cNvSpPr txBox="1"/>
+          <p:nvPr/>
+        </p:nvSpPr>
+        <p:spPr>
+          <a:xfrm>
+            <a:off x="2705812" y="122590"/>
+            <a:ext cx="6780363" cy="584775"/>
+          </a:xfrm>
+          <a:prstGeom prst="rect">
+            <a:avLst/>
+          </a:prstGeom>
+          <a:noFill/>
+        </p:spPr>
+        <p:txBody>
+          <a:bodyPr wrap="square" rtlCol="0">
+            <a:spAutoFit/>
+          </a:bodyPr>
+          <a:lstStyle/>
+          <a:p>
+            <a:pPr algn="ctr"/>
+            <a:r>
+              <a:rPr lang="pt-BR" sz="3200" b="1" dirty="0"/>
+              <a:t>Modelagem</a:t>
+            </a:r>
+          </a:p>
+        </p:txBody>
+      </p:sp>
+      <p:pic>
+        <p:nvPicPr>
+          <p:cNvPr id="11" name="Imagem 10" descr="Diagrama&#10;&#10;Descrição gerada automaticamente">
+            <a:extLst>
+              <a:ext uri="{FF2B5EF4-FFF2-40B4-BE49-F238E27FC236}">
+                <a16:creationId xmlns:a16="http://schemas.microsoft.com/office/drawing/2014/main" id="{D65B1BE0-E540-419C-AFE0-A279ECD95FEB}"/>
+              </a:ext>
+            </a:extLst>
+          </p:cNvPr>
+          <p:cNvPicPr>
+            <a:picLocks noChangeAspect="1"/>
+          </p:cNvPicPr>
+          <p:nvPr/>
+        </p:nvPicPr>
+        <p:blipFill>
+          <a:blip r:embed="rId3">
+            <a:extLst>
+              <a:ext uri="{28A0092B-C50C-407E-A947-70E740481C1C}">
+                <a14:useLocalDpi xmlns:a14="http://schemas.microsoft.com/office/drawing/2010/main" val="0"/>
+              </a:ext>
+            </a:extLst>
+          </a:blip>
+          <a:stretch>
+            <a:fillRect/>
+          </a:stretch>
+        </p:blipFill>
+        <p:spPr>
+          <a:xfrm>
+            <a:off x="3105142" y="1494924"/>
+            <a:ext cx="5981700" cy="4124325"/>
           </a:xfrm>
           <a:prstGeom prst="rect">
             <a:avLst/>
@@ -3177,7 +3405,1545 @@
     </p:spTree>
     <p:extLst>
       <p:ext uri="{BB962C8B-B14F-4D97-AF65-F5344CB8AC3E}">
+        <p14:creationId xmlns:p14="http://schemas.microsoft.com/office/powerpoint/2010/main" val="2872755806"/>
+      </p:ext>
+    </p:extLst>
+  </p:cSld>
+  <p:clrMapOvr>
+    <a:masterClrMapping/>
+  </p:clrMapOvr>
+</p:sld>
+</file>
+
+<file path=ppt/slides/slide12.xml><?xml version="1.0" encoding="utf-8"?>
+<p:sld xmlns:a="http://schemas.openxmlformats.org/drawingml/2006/main" xmlns:r="http://schemas.openxmlformats.org/officeDocument/2006/relationships" xmlns:p="http://schemas.openxmlformats.org/presentationml/2006/main">
+  <p:cSld>
+    <p:spTree>
+      <p:nvGrpSpPr>
+        <p:cNvPr id="1" name=""/>
+        <p:cNvGrpSpPr/>
+        <p:nvPr/>
+      </p:nvGrpSpPr>
+      <p:grpSpPr>
+        <a:xfrm>
+          <a:off x="0" y="0"/>
+          <a:ext cx="0" cy="0"/>
+          <a:chOff x="0" y="0"/>
+          <a:chExt cx="0" cy="0"/>
+        </a:xfrm>
+      </p:grpSpPr>
+      <p:pic>
+        <p:nvPicPr>
+          <p:cNvPr id="2" name="Imagem 1"/>
+          <p:cNvPicPr>
+            <a:picLocks noChangeAspect="1"/>
+          </p:cNvPicPr>
+          <p:nvPr/>
+        </p:nvPicPr>
+        <p:blipFill>
+          <a:blip r:embed="rId2" cstate="print">
+            <a:extLst>
+              <a:ext uri="{28A0092B-C50C-407E-A947-70E740481C1C}">
+                <a14:useLocalDpi xmlns:a14="http://schemas.microsoft.com/office/drawing/2010/main" val="0"/>
+              </a:ext>
+            </a:extLst>
+          </a:blip>
+          <a:stretch>
+            <a:fillRect/>
+          </a:stretch>
+        </p:blipFill>
+        <p:spPr>
+          <a:xfrm>
+            <a:off x="-1" y="0"/>
+            <a:ext cx="12191999" cy="6858000"/>
+          </a:xfrm>
+          <a:prstGeom prst="rect">
+            <a:avLst/>
+          </a:prstGeom>
+        </p:spPr>
+      </p:pic>
+      <p:pic>
+        <p:nvPicPr>
+          <p:cNvPr id="4" name="Imagem 3" descr="Diagrama&#10;&#10;Descrição gerada automaticamente">
+            <a:extLst>
+              <a:ext uri="{FF2B5EF4-FFF2-40B4-BE49-F238E27FC236}">
+                <a16:creationId xmlns:a16="http://schemas.microsoft.com/office/drawing/2014/main" id="{20A12772-13ED-4E0A-B533-645D16EFFE97}"/>
+              </a:ext>
+            </a:extLst>
+          </p:cNvPr>
+          <p:cNvPicPr>
+            <a:picLocks noChangeAspect="1"/>
+          </p:cNvPicPr>
+          <p:nvPr/>
+        </p:nvPicPr>
+        <p:blipFill>
+          <a:blip r:embed="rId3">
+            <a:extLst>
+              <a:ext uri="{28A0092B-C50C-407E-A947-70E740481C1C}">
+                <a14:useLocalDpi xmlns:a14="http://schemas.microsoft.com/office/drawing/2010/main" val="0"/>
+              </a:ext>
+            </a:extLst>
+          </a:blip>
+          <a:stretch>
+            <a:fillRect/>
+          </a:stretch>
+        </p:blipFill>
+        <p:spPr>
+          <a:xfrm>
+            <a:off x="3105148" y="1366837"/>
+            <a:ext cx="5981700" cy="4124325"/>
+          </a:xfrm>
+          <a:prstGeom prst="rect">
+            <a:avLst/>
+          </a:prstGeom>
+        </p:spPr>
+      </p:pic>
+      <p:sp>
+        <p:nvSpPr>
+          <p:cNvPr id="5" name="TextBox 6">
+            <a:extLst>
+              <a:ext uri="{FF2B5EF4-FFF2-40B4-BE49-F238E27FC236}">
+                <a16:creationId xmlns:a16="http://schemas.microsoft.com/office/drawing/2014/main" id="{801EDEE0-974B-4E5F-A59C-0484B32103BE}"/>
+              </a:ext>
+            </a:extLst>
+          </p:cNvPr>
+          <p:cNvSpPr txBox="1"/>
+          <p:nvPr/>
+        </p:nvSpPr>
+        <p:spPr>
+          <a:xfrm>
+            <a:off x="2705812" y="122590"/>
+            <a:ext cx="6780363" cy="584775"/>
+          </a:xfrm>
+          <a:prstGeom prst="rect">
+            <a:avLst/>
+          </a:prstGeom>
+          <a:noFill/>
+        </p:spPr>
+        <p:txBody>
+          <a:bodyPr wrap="square" rtlCol="0">
+            <a:spAutoFit/>
+          </a:bodyPr>
+          <a:lstStyle/>
+          <a:p>
+            <a:pPr algn="ctr"/>
+            <a:r>
+              <a:rPr lang="pt-BR" sz="3200" b="1" dirty="0"/>
+              <a:t>Modelagem</a:t>
+            </a:r>
+          </a:p>
+        </p:txBody>
+      </p:sp>
+    </p:spTree>
+    <p:extLst>
+      <p:ext uri="{BB962C8B-B14F-4D97-AF65-F5344CB8AC3E}">
+        <p14:creationId xmlns:p14="http://schemas.microsoft.com/office/powerpoint/2010/main" val="3297053397"/>
+      </p:ext>
+    </p:extLst>
+  </p:cSld>
+  <p:clrMapOvr>
+    <a:masterClrMapping/>
+  </p:clrMapOvr>
+</p:sld>
+</file>
+
+<file path=ppt/slides/slide13.xml><?xml version="1.0" encoding="utf-8"?>
+<p:sld xmlns:a="http://schemas.openxmlformats.org/drawingml/2006/main" xmlns:r="http://schemas.openxmlformats.org/officeDocument/2006/relationships" xmlns:p="http://schemas.openxmlformats.org/presentationml/2006/main">
+  <p:cSld>
+    <p:spTree>
+      <p:nvGrpSpPr>
+        <p:cNvPr id="1" name=""/>
+        <p:cNvGrpSpPr/>
+        <p:nvPr/>
+      </p:nvGrpSpPr>
+      <p:grpSpPr>
+        <a:xfrm>
+          <a:off x="0" y="0"/>
+          <a:ext cx="0" cy="0"/>
+          <a:chOff x="0" y="0"/>
+          <a:chExt cx="0" cy="0"/>
+        </a:xfrm>
+      </p:grpSpPr>
+      <p:pic>
+        <p:nvPicPr>
+          <p:cNvPr id="2" name="Imagem 1"/>
+          <p:cNvPicPr>
+            <a:picLocks noChangeAspect="1"/>
+          </p:cNvPicPr>
+          <p:nvPr/>
+        </p:nvPicPr>
+        <p:blipFill>
+          <a:blip r:embed="rId2" cstate="print">
+            <a:extLst>
+              <a:ext uri="{28A0092B-C50C-407E-A947-70E740481C1C}">
+                <a14:useLocalDpi xmlns:a14="http://schemas.microsoft.com/office/drawing/2010/main" val="0"/>
+              </a:ext>
+            </a:extLst>
+          </a:blip>
+          <a:stretch>
+            <a:fillRect/>
+          </a:stretch>
+        </p:blipFill>
+        <p:spPr>
+          <a:xfrm>
+            <a:off x="-1" y="0"/>
+            <a:ext cx="12191999" cy="6858000"/>
+          </a:xfrm>
+          <a:prstGeom prst="rect">
+            <a:avLst/>
+          </a:prstGeom>
+        </p:spPr>
+      </p:pic>
+      <p:pic>
+        <p:nvPicPr>
+          <p:cNvPr id="3" name="Imagem 2" descr="Diagrama&#10;&#10;Descrição gerada automaticamente">
+            <a:extLst>
+              <a:ext uri="{FF2B5EF4-FFF2-40B4-BE49-F238E27FC236}">
+                <a16:creationId xmlns:a16="http://schemas.microsoft.com/office/drawing/2014/main" id="{C04F67EE-A5A0-4C06-90D4-E2EC298B8739}"/>
+              </a:ext>
+            </a:extLst>
+          </p:cNvPr>
+          <p:cNvPicPr>
+            <a:picLocks noChangeAspect="1"/>
+          </p:cNvPicPr>
+          <p:nvPr/>
+        </p:nvPicPr>
+        <p:blipFill>
+          <a:blip r:embed="rId3">
+            <a:extLst>
+              <a:ext uri="{28A0092B-C50C-407E-A947-70E740481C1C}">
+                <a14:useLocalDpi xmlns:a14="http://schemas.microsoft.com/office/drawing/2010/main" val="0"/>
+              </a:ext>
+            </a:extLst>
+          </a:blip>
+          <a:stretch>
+            <a:fillRect/>
+          </a:stretch>
+        </p:blipFill>
+        <p:spPr>
+          <a:xfrm>
+            <a:off x="1195379" y="1796482"/>
+            <a:ext cx="9801225" cy="3714750"/>
+          </a:xfrm>
+          <a:prstGeom prst="rect">
+            <a:avLst/>
+          </a:prstGeom>
+        </p:spPr>
+      </p:pic>
+      <p:sp>
+        <p:nvSpPr>
+          <p:cNvPr id="4" name="TextBox 6">
+            <a:extLst>
+              <a:ext uri="{FF2B5EF4-FFF2-40B4-BE49-F238E27FC236}">
+                <a16:creationId xmlns:a16="http://schemas.microsoft.com/office/drawing/2014/main" id="{68C89478-70A8-4AD7-AB74-70F54AAFBB77}"/>
+              </a:ext>
+            </a:extLst>
+          </p:cNvPr>
+          <p:cNvSpPr txBox="1"/>
+          <p:nvPr/>
+        </p:nvSpPr>
+        <p:spPr>
+          <a:xfrm>
+            <a:off x="2705812" y="122590"/>
+            <a:ext cx="6780363" cy="584775"/>
+          </a:xfrm>
+          <a:prstGeom prst="rect">
+            <a:avLst/>
+          </a:prstGeom>
+          <a:noFill/>
+        </p:spPr>
+        <p:txBody>
+          <a:bodyPr wrap="square" rtlCol="0">
+            <a:spAutoFit/>
+          </a:bodyPr>
+          <a:lstStyle/>
+          <a:p>
+            <a:pPr algn="ctr"/>
+            <a:r>
+              <a:rPr lang="pt-BR" sz="3200" b="1" dirty="0"/>
+              <a:t>Modelagem</a:t>
+            </a:r>
+          </a:p>
+        </p:txBody>
+      </p:sp>
+    </p:spTree>
+    <p:extLst>
+      <p:ext uri="{BB962C8B-B14F-4D97-AF65-F5344CB8AC3E}">
         <p14:creationId xmlns:p14="http://schemas.microsoft.com/office/powerpoint/2010/main" val="184515161"/>
+      </p:ext>
+    </p:extLst>
+  </p:cSld>
+  <p:clrMapOvr>
+    <a:masterClrMapping/>
+  </p:clrMapOvr>
+</p:sld>
+</file>
+
+<file path=ppt/slides/slide14.xml><?xml version="1.0" encoding="utf-8"?>
+<p:sld xmlns:a="http://schemas.openxmlformats.org/drawingml/2006/main" xmlns:r="http://schemas.openxmlformats.org/officeDocument/2006/relationships" xmlns:p="http://schemas.openxmlformats.org/presentationml/2006/main">
+  <p:cSld>
+    <p:spTree>
+      <p:nvGrpSpPr>
+        <p:cNvPr id="1" name=""/>
+        <p:cNvGrpSpPr/>
+        <p:nvPr/>
+      </p:nvGrpSpPr>
+      <p:grpSpPr>
+        <a:xfrm>
+          <a:off x="0" y="0"/>
+          <a:ext cx="0" cy="0"/>
+          <a:chOff x="0" y="0"/>
+          <a:chExt cx="0" cy="0"/>
+        </a:xfrm>
+      </p:grpSpPr>
+      <p:pic>
+        <p:nvPicPr>
+          <p:cNvPr id="2" name="Imagem 1"/>
+          <p:cNvPicPr>
+            <a:picLocks noChangeAspect="1"/>
+          </p:cNvPicPr>
+          <p:nvPr/>
+        </p:nvPicPr>
+        <p:blipFill>
+          <a:blip r:embed="rId2" cstate="print">
+            <a:extLst>
+              <a:ext uri="{28A0092B-C50C-407E-A947-70E740481C1C}">
+                <a14:useLocalDpi xmlns:a14="http://schemas.microsoft.com/office/drawing/2010/main" val="0"/>
+              </a:ext>
+            </a:extLst>
+          </a:blip>
+          <a:stretch>
+            <a:fillRect/>
+          </a:stretch>
+        </p:blipFill>
+        <p:spPr>
+          <a:xfrm>
+            <a:off x="-1" y="0"/>
+            <a:ext cx="12191999" cy="6858000"/>
+          </a:xfrm>
+          <a:prstGeom prst="rect">
+            <a:avLst/>
+          </a:prstGeom>
+        </p:spPr>
+      </p:pic>
+      <p:sp>
+        <p:nvSpPr>
+          <p:cNvPr id="4" name="TextBox 6">
+            <a:extLst>
+              <a:ext uri="{FF2B5EF4-FFF2-40B4-BE49-F238E27FC236}">
+                <a16:creationId xmlns:a16="http://schemas.microsoft.com/office/drawing/2014/main" id="{68C89478-70A8-4AD7-AB74-70F54AAFBB77}"/>
+              </a:ext>
+            </a:extLst>
+          </p:cNvPr>
+          <p:cNvSpPr txBox="1"/>
+          <p:nvPr/>
+        </p:nvSpPr>
+        <p:spPr>
+          <a:xfrm>
+            <a:off x="2705812" y="122590"/>
+            <a:ext cx="6780363" cy="584775"/>
+          </a:xfrm>
+          <a:prstGeom prst="rect">
+            <a:avLst/>
+          </a:prstGeom>
+          <a:noFill/>
+        </p:spPr>
+        <p:txBody>
+          <a:bodyPr wrap="square" rtlCol="0">
+            <a:spAutoFit/>
+          </a:bodyPr>
+          <a:lstStyle/>
+          <a:p>
+            <a:pPr algn="ctr"/>
+            <a:r>
+              <a:rPr lang="pt-BR" sz="3200" b="1" dirty="0"/>
+              <a:t>Modelagem</a:t>
+            </a:r>
+          </a:p>
+        </p:txBody>
+      </p:sp>
+      <p:sp>
+        <p:nvSpPr>
+          <p:cNvPr id="5" name="TextBox 7">
+            <a:extLst>
+              <a:ext uri="{FF2B5EF4-FFF2-40B4-BE49-F238E27FC236}">
+                <a16:creationId xmlns:a16="http://schemas.microsoft.com/office/drawing/2014/main" id="{3B892A77-DB05-4BDF-8FFE-CE4317036BF1}"/>
+              </a:ext>
+            </a:extLst>
+          </p:cNvPr>
+          <p:cNvSpPr txBox="1"/>
+          <p:nvPr/>
+        </p:nvSpPr>
+        <p:spPr>
+          <a:xfrm>
+            <a:off x="1506734" y="966527"/>
+            <a:ext cx="9178517" cy="5940088"/>
+          </a:xfrm>
+          <a:prstGeom prst="rect">
+            <a:avLst/>
+          </a:prstGeom>
+          <a:noFill/>
+        </p:spPr>
+        <p:txBody>
+          <a:bodyPr wrap="square" rtlCol="0">
+            <a:spAutoFit/>
+          </a:bodyPr>
+          <a:lstStyle/>
+          <a:p>
+            <a:pPr algn="just"/>
+            <a:r>
+              <a:rPr lang="pt-BR" sz="2000" b="1" dirty="0"/>
+              <a:t>Passo 4 – Criação de serviços agrupados em contexto lógico:</a:t>
+            </a:r>
+          </a:p>
+          <a:p>
+            <a:pPr algn="just"/>
+            <a:endParaRPr lang="pt-BR" sz="2000" b="1" dirty="0"/>
+          </a:p>
+          <a:p>
+            <a:pPr marL="342900" indent="-342900" algn="just">
+              <a:buFont typeface="Wingdings" panose="05000000000000000000" pitchFamily="2" charset="2"/>
+              <a:buChar char="q"/>
+            </a:pPr>
+            <a:r>
+              <a:rPr lang="pt-BR" sz="2000" b="1" dirty="0"/>
+              <a:t>Autenticação:</a:t>
+            </a:r>
+          </a:p>
+          <a:p>
+            <a:pPr marL="342900" indent="-342900" algn="just">
+              <a:buClr>
+                <a:srgbClr val="00B0F0"/>
+              </a:buClr>
+              <a:buFont typeface="Wingdings" panose="05000000000000000000" pitchFamily="2" charset="2"/>
+              <a:buChar char="ü"/>
+            </a:pPr>
+            <a:r>
+              <a:rPr lang="pt-BR" sz="2000" dirty="0"/>
+              <a:t> Identificar entregador.</a:t>
+            </a:r>
+          </a:p>
+          <a:p>
+            <a:pPr marL="342900" indent="-342900" algn="just">
+              <a:buClr>
+                <a:srgbClr val="00B0F0"/>
+              </a:buClr>
+              <a:buFont typeface="Wingdings" panose="05000000000000000000" pitchFamily="2" charset="2"/>
+              <a:buChar char="ü"/>
+            </a:pPr>
+            <a:r>
+              <a:rPr lang="pt-BR" sz="2000" dirty="0"/>
+              <a:t> Identificar cliente.</a:t>
+            </a:r>
+          </a:p>
+          <a:p>
+            <a:pPr marL="342900" indent="-342900" algn="just">
+              <a:buClr>
+                <a:srgbClr val="00B0F0"/>
+              </a:buClr>
+              <a:buFont typeface="Wingdings" panose="05000000000000000000" pitchFamily="2" charset="2"/>
+              <a:buChar char="ü"/>
+            </a:pPr>
+            <a:endParaRPr lang="pt-BR" sz="2000" b="1" dirty="0"/>
+          </a:p>
+          <a:p>
+            <a:pPr marL="342900" indent="-342900" algn="just">
+              <a:buFont typeface="Wingdings" panose="05000000000000000000" pitchFamily="2" charset="2"/>
+              <a:buChar char="q"/>
+            </a:pPr>
+            <a:r>
+              <a:rPr lang="pt-BR" sz="2000" b="1" dirty="0"/>
+              <a:t>Pedidos: </a:t>
+            </a:r>
+          </a:p>
+          <a:p>
+            <a:pPr marL="342900" indent="-342900" algn="just">
+              <a:buClr>
+                <a:srgbClr val="00B0F0"/>
+              </a:buClr>
+              <a:buFont typeface="Wingdings" panose="05000000000000000000" pitchFamily="2" charset="2"/>
+              <a:buChar char="ü"/>
+            </a:pPr>
+            <a:r>
+              <a:rPr lang="pt-BR" sz="2000" dirty="0"/>
+              <a:t>Consultar pedidos para entregador.</a:t>
+            </a:r>
+          </a:p>
+          <a:p>
+            <a:pPr marL="342900" indent="-342900" algn="just">
+              <a:buClr>
+                <a:srgbClr val="00B0F0"/>
+              </a:buClr>
+              <a:buFont typeface="Wingdings" panose="05000000000000000000" pitchFamily="2" charset="2"/>
+              <a:buChar char="ü"/>
+            </a:pPr>
+            <a:r>
+              <a:rPr lang="pt-BR" sz="2000" dirty="0"/>
+              <a:t>Consultar pedidos para cliente.</a:t>
+            </a:r>
+          </a:p>
+          <a:p>
+            <a:pPr marL="342900" indent="-342900" algn="just">
+              <a:buClr>
+                <a:srgbClr val="00B0F0"/>
+              </a:buClr>
+              <a:buFont typeface="Wingdings" panose="05000000000000000000" pitchFamily="2" charset="2"/>
+              <a:buChar char="ü"/>
+            </a:pPr>
+            <a:r>
+              <a:rPr lang="pt-BR" sz="2000" dirty="0"/>
+              <a:t>Registrar atualização de pedido para cliente.</a:t>
+            </a:r>
+          </a:p>
+          <a:p>
+            <a:pPr marL="342900" indent="-342900" algn="just">
+              <a:buClr>
+                <a:srgbClr val="00B0F0"/>
+              </a:buClr>
+              <a:buFont typeface="Wingdings" panose="05000000000000000000" pitchFamily="2" charset="2"/>
+              <a:buChar char="ü"/>
+            </a:pPr>
+            <a:endParaRPr lang="pt-BR" sz="2000" b="1" dirty="0"/>
+          </a:p>
+          <a:p>
+            <a:pPr marL="342900" indent="-342900" algn="just">
+              <a:buFont typeface="Wingdings" panose="05000000000000000000" pitchFamily="2" charset="2"/>
+              <a:buChar char="q"/>
+            </a:pPr>
+            <a:r>
+              <a:rPr lang="pt-BR" sz="2000" b="1" dirty="0"/>
+              <a:t>Entrega: </a:t>
+            </a:r>
+          </a:p>
+          <a:p>
+            <a:pPr marL="342900" indent="-342900" algn="just">
+              <a:buClr>
+                <a:srgbClr val="00B0F0"/>
+              </a:buClr>
+              <a:buFont typeface="Wingdings" panose="05000000000000000000" pitchFamily="2" charset="2"/>
+              <a:buChar char="ü"/>
+            </a:pPr>
+            <a:r>
+              <a:rPr lang="pt-BR" sz="2000" dirty="0"/>
+              <a:t>Registrar entrega.</a:t>
+            </a:r>
+          </a:p>
+          <a:p>
+            <a:pPr marL="342900" indent="-342900" algn="just">
+              <a:buClr>
+                <a:srgbClr val="00B0F0"/>
+              </a:buClr>
+              <a:buFont typeface="Wingdings" panose="05000000000000000000" pitchFamily="2" charset="2"/>
+              <a:buChar char="ü"/>
+            </a:pPr>
+            <a:r>
+              <a:rPr lang="pt-BR" sz="2000" dirty="0"/>
+              <a:t>Demonstrar o estado da entrega.</a:t>
+            </a:r>
+            <a:endParaRPr lang="pt-BR" sz="2000" b="1" dirty="0"/>
+          </a:p>
+          <a:p>
+            <a:pPr marL="342900" indent="-342900" algn="just">
+              <a:buClr>
+                <a:srgbClr val="00B0F0"/>
+              </a:buClr>
+              <a:buFont typeface="Wingdings" panose="05000000000000000000" pitchFamily="2" charset="2"/>
+              <a:buChar char="ü"/>
+            </a:pPr>
+            <a:endParaRPr lang="pt-BR" sz="2000" b="1" dirty="0"/>
+          </a:p>
+          <a:p>
+            <a:pPr marL="342900" indent="-342900" algn="just">
+              <a:buFont typeface="Wingdings" panose="05000000000000000000" pitchFamily="2" charset="2"/>
+              <a:buChar char="q"/>
+            </a:pPr>
+            <a:r>
+              <a:rPr lang="pt-BR" sz="2000" b="1" dirty="0"/>
+              <a:t>Mensageiro: </a:t>
+            </a:r>
+          </a:p>
+          <a:p>
+            <a:pPr marL="342900" indent="-342900" algn="just">
+              <a:buClr>
+                <a:srgbClr val="00B0F0"/>
+              </a:buClr>
+              <a:buFont typeface="Wingdings" panose="05000000000000000000" pitchFamily="2" charset="2"/>
+              <a:buChar char="ü"/>
+            </a:pPr>
+            <a:r>
+              <a:rPr lang="pt-BR" sz="2000" dirty="0"/>
+              <a:t>Enviar e-mail de entrega para o cliente.</a:t>
+            </a:r>
+          </a:p>
+          <a:p>
+            <a:pPr marL="285750" indent="-285750" algn="just">
+              <a:buFont typeface="Wingdings" panose="05000000000000000000" pitchFamily="2" charset="2"/>
+              <a:buChar char="Ø"/>
+            </a:pPr>
+            <a:endParaRPr lang="pt-BR" sz="2000" dirty="0"/>
+          </a:p>
+          <a:p>
+            <a:pPr marL="285750" indent="-285750" algn="just">
+              <a:buFont typeface="Wingdings" panose="05000000000000000000" pitchFamily="2" charset="2"/>
+              <a:buChar char="Ø"/>
+            </a:pPr>
+            <a:endParaRPr lang="pt-BR" sz="2000" dirty="0"/>
+          </a:p>
+        </p:txBody>
+      </p:sp>
+    </p:spTree>
+    <p:extLst>
+      <p:ext uri="{BB962C8B-B14F-4D97-AF65-F5344CB8AC3E}">
+        <p14:creationId xmlns:p14="http://schemas.microsoft.com/office/powerpoint/2010/main" val="3865689219"/>
+      </p:ext>
+    </p:extLst>
+  </p:cSld>
+  <p:clrMapOvr>
+    <a:masterClrMapping/>
+  </p:clrMapOvr>
+</p:sld>
+</file>
+
+<file path=ppt/slides/slide15.xml><?xml version="1.0" encoding="utf-8"?>
+<p:sld xmlns:a="http://schemas.openxmlformats.org/drawingml/2006/main" xmlns:r="http://schemas.openxmlformats.org/officeDocument/2006/relationships" xmlns:p="http://schemas.openxmlformats.org/presentationml/2006/main">
+  <p:cSld>
+    <p:spTree>
+      <p:nvGrpSpPr>
+        <p:cNvPr id="1" name=""/>
+        <p:cNvGrpSpPr/>
+        <p:nvPr/>
+      </p:nvGrpSpPr>
+      <p:grpSpPr>
+        <a:xfrm>
+          <a:off x="0" y="0"/>
+          <a:ext cx="0" cy="0"/>
+          <a:chOff x="0" y="0"/>
+          <a:chExt cx="0" cy="0"/>
+        </a:xfrm>
+      </p:grpSpPr>
+      <p:pic>
+        <p:nvPicPr>
+          <p:cNvPr id="2" name="Imagem 1"/>
+          <p:cNvPicPr>
+            <a:picLocks noChangeAspect="1"/>
+          </p:cNvPicPr>
+          <p:nvPr/>
+        </p:nvPicPr>
+        <p:blipFill>
+          <a:blip r:embed="rId2" cstate="print">
+            <a:extLst>
+              <a:ext uri="{28A0092B-C50C-407E-A947-70E740481C1C}">
+                <a14:useLocalDpi xmlns:a14="http://schemas.microsoft.com/office/drawing/2010/main" val="0"/>
+              </a:ext>
+            </a:extLst>
+          </a:blip>
+          <a:stretch>
+            <a:fillRect/>
+          </a:stretch>
+        </p:blipFill>
+        <p:spPr>
+          <a:xfrm>
+            <a:off x="-1" y="0"/>
+            <a:ext cx="12191999" cy="6858000"/>
+          </a:xfrm>
+          <a:prstGeom prst="rect">
+            <a:avLst/>
+          </a:prstGeom>
+        </p:spPr>
+      </p:pic>
+      <p:sp>
+        <p:nvSpPr>
+          <p:cNvPr id="4" name="TextBox 6">
+            <a:extLst>
+              <a:ext uri="{FF2B5EF4-FFF2-40B4-BE49-F238E27FC236}">
+                <a16:creationId xmlns:a16="http://schemas.microsoft.com/office/drawing/2014/main" id="{68C89478-70A8-4AD7-AB74-70F54AAFBB77}"/>
+              </a:ext>
+            </a:extLst>
+          </p:cNvPr>
+          <p:cNvSpPr txBox="1"/>
+          <p:nvPr/>
+        </p:nvSpPr>
+        <p:spPr>
+          <a:xfrm>
+            <a:off x="2705812" y="122590"/>
+            <a:ext cx="6780363" cy="584775"/>
+          </a:xfrm>
+          <a:prstGeom prst="rect">
+            <a:avLst/>
+          </a:prstGeom>
+          <a:noFill/>
+        </p:spPr>
+        <p:txBody>
+          <a:bodyPr wrap="square" rtlCol="0">
+            <a:spAutoFit/>
+          </a:bodyPr>
+          <a:lstStyle/>
+          <a:p>
+            <a:pPr algn="ctr"/>
+            <a:r>
+              <a:rPr lang="pt-BR" sz="3200" b="1" dirty="0"/>
+              <a:t>Modelagem</a:t>
+            </a:r>
+          </a:p>
+        </p:txBody>
+      </p:sp>
+      <p:sp>
+        <p:nvSpPr>
+          <p:cNvPr id="5" name="TextBox 7">
+            <a:extLst>
+              <a:ext uri="{FF2B5EF4-FFF2-40B4-BE49-F238E27FC236}">
+                <a16:creationId xmlns:a16="http://schemas.microsoft.com/office/drawing/2014/main" id="{3B892A77-DB05-4BDF-8FFE-CE4317036BF1}"/>
+              </a:ext>
+            </a:extLst>
+          </p:cNvPr>
+          <p:cNvSpPr txBox="1"/>
+          <p:nvPr/>
+        </p:nvSpPr>
+        <p:spPr>
+          <a:xfrm>
+            <a:off x="1506734" y="966527"/>
+            <a:ext cx="9178517" cy="5324535"/>
+          </a:xfrm>
+          <a:prstGeom prst="rect">
+            <a:avLst/>
+          </a:prstGeom>
+          <a:noFill/>
+        </p:spPr>
+        <p:txBody>
+          <a:bodyPr wrap="square" rtlCol="0">
+            <a:spAutoFit/>
+          </a:bodyPr>
+          <a:lstStyle/>
+          <a:p>
+            <a:pPr algn="just"/>
+            <a:r>
+              <a:rPr lang="pt-BR" sz="2000" b="1" dirty="0"/>
+              <a:t>Passo 5 -  Aplicação dos conceitos de SOA para novo agrupamento de serviços:</a:t>
+            </a:r>
+          </a:p>
+          <a:p>
+            <a:pPr algn="just"/>
+            <a:endParaRPr lang="pt-BR" sz="2000" b="1" dirty="0"/>
+          </a:p>
+          <a:p>
+            <a:pPr marL="342900" indent="-342900" algn="just">
+              <a:buFont typeface="Wingdings" panose="05000000000000000000" pitchFamily="2" charset="2"/>
+              <a:buChar char="q"/>
+            </a:pPr>
+            <a:r>
+              <a:rPr lang="pt-BR" sz="2000" b="1" dirty="0"/>
+              <a:t>Autenticação:</a:t>
+            </a:r>
+          </a:p>
+          <a:p>
+            <a:pPr marL="342900" indent="-342900" algn="just">
+              <a:buClr>
+                <a:srgbClr val="00B0F0"/>
+              </a:buClr>
+              <a:buFont typeface="Wingdings" panose="05000000000000000000" pitchFamily="2" charset="2"/>
+              <a:buChar char="ü"/>
+            </a:pPr>
+            <a:r>
+              <a:rPr lang="pt-BR" sz="2000" dirty="0"/>
+              <a:t> Identificar usuário.</a:t>
+            </a:r>
+          </a:p>
+          <a:p>
+            <a:pPr marL="342900" indent="-342900" algn="just">
+              <a:buClr>
+                <a:srgbClr val="00B0F0"/>
+              </a:buClr>
+              <a:buFont typeface="Wingdings" panose="05000000000000000000" pitchFamily="2" charset="2"/>
+              <a:buChar char="ü"/>
+            </a:pPr>
+            <a:endParaRPr lang="pt-BR" sz="2000" b="1" dirty="0"/>
+          </a:p>
+          <a:p>
+            <a:pPr marL="342900" indent="-342900" algn="just">
+              <a:buFont typeface="Wingdings" panose="05000000000000000000" pitchFamily="2" charset="2"/>
+              <a:buChar char="q"/>
+            </a:pPr>
+            <a:r>
+              <a:rPr lang="pt-BR" sz="2000" b="1" dirty="0"/>
+              <a:t>Pedidos: </a:t>
+            </a:r>
+          </a:p>
+          <a:p>
+            <a:pPr marL="342900" indent="-342900" algn="just">
+              <a:buClr>
+                <a:srgbClr val="00B0F0"/>
+              </a:buClr>
+              <a:buFont typeface="Wingdings" panose="05000000000000000000" pitchFamily="2" charset="2"/>
+              <a:buChar char="ü"/>
+            </a:pPr>
+            <a:r>
+              <a:rPr lang="pt-BR" sz="2000" dirty="0"/>
+              <a:t>Consultar pedidos.</a:t>
+            </a:r>
+          </a:p>
+          <a:p>
+            <a:pPr marL="342900" indent="-342900" algn="just">
+              <a:buClr>
+                <a:srgbClr val="00B0F0"/>
+              </a:buClr>
+              <a:buFont typeface="Wingdings" panose="05000000000000000000" pitchFamily="2" charset="2"/>
+              <a:buChar char="ü"/>
+            </a:pPr>
+            <a:r>
+              <a:rPr lang="pt-BR" sz="2000" dirty="0"/>
+              <a:t>Registrar atualização de pedidos.</a:t>
+            </a:r>
+          </a:p>
+          <a:p>
+            <a:pPr marL="342900" indent="-342900" algn="just">
+              <a:buClr>
+                <a:srgbClr val="00B0F0"/>
+              </a:buClr>
+              <a:buFont typeface="Wingdings" panose="05000000000000000000" pitchFamily="2" charset="2"/>
+              <a:buChar char="ü"/>
+            </a:pPr>
+            <a:endParaRPr lang="pt-BR" sz="2000" b="1" dirty="0"/>
+          </a:p>
+          <a:p>
+            <a:pPr marL="342900" indent="-342900" algn="just">
+              <a:buFont typeface="Wingdings" panose="05000000000000000000" pitchFamily="2" charset="2"/>
+              <a:buChar char="q"/>
+            </a:pPr>
+            <a:r>
+              <a:rPr lang="pt-BR" sz="2000" b="1" dirty="0"/>
+              <a:t>Entrega: </a:t>
+            </a:r>
+          </a:p>
+          <a:p>
+            <a:pPr marL="342900" indent="-342900" algn="just">
+              <a:buClr>
+                <a:srgbClr val="00B0F0"/>
+              </a:buClr>
+              <a:buFont typeface="Wingdings" panose="05000000000000000000" pitchFamily="2" charset="2"/>
+              <a:buChar char="ü"/>
+            </a:pPr>
+            <a:r>
+              <a:rPr lang="pt-BR" sz="2000" dirty="0"/>
+              <a:t>Registrar entrega.</a:t>
+            </a:r>
+          </a:p>
+          <a:p>
+            <a:pPr marL="342900" indent="-342900" algn="just">
+              <a:buClr>
+                <a:srgbClr val="00B0F0"/>
+              </a:buClr>
+              <a:buFont typeface="Wingdings" panose="05000000000000000000" pitchFamily="2" charset="2"/>
+              <a:buChar char="ü"/>
+            </a:pPr>
+            <a:r>
+              <a:rPr lang="pt-BR" sz="2000" dirty="0"/>
+              <a:t>Demonstrar o estado da entrega.</a:t>
+            </a:r>
+            <a:endParaRPr lang="pt-BR" sz="2000" b="1" dirty="0"/>
+          </a:p>
+          <a:p>
+            <a:pPr marL="342900" indent="-342900" algn="just">
+              <a:buClr>
+                <a:srgbClr val="00B0F0"/>
+              </a:buClr>
+              <a:buFont typeface="Wingdings" panose="05000000000000000000" pitchFamily="2" charset="2"/>
+              <a:buChar char="ü"/>
+            </a:pPr>
+            <a:endParaRPr lang="pt-BR" sz="2000" b="1" dirty="0"/>
+          </a:p>
+          <a:p>
+            <a:pPr marL="342900" indent="-342900" algn="just">
+              <a:buFont typeface="Wingdings" panose="05000000000000000000" pitchFamily="2" charset="2"/>
+              <a:buChar char="q"/>
+            </a:pPr>
+            <a:r>
+              <a:rPr lang="pt-BR" sz="2000" b="1" dirty="0"/>
+              <a:t>Mensageiro: </a:t>
+            </a:r>
+          </a:p>
+          <a:p>
+            <a:pPr marL="342900" indent="-342900" algn="just">
+              <a:buClr>
+                <a:srgbClr val="00B0F0"/>
+              </a:buClr>
+              <a:buFont typeface="Wingdings" panose="05000000000000000000" pitchFamily="2" charset="2"/>
+              <a:buChar char="ü"/>
+            </a:pPr>
+            <a:r>
+              <a:rPr lang="pt-BR" sz="2000" dirty="0"/>
+              <a:t>Enviar e-mail de entrega para o cliente.</a:t>
+            </a:r>
+          </a:p>
+          <a:p>
+            <a:pPr marL="285750" indent="-285750" algn="just">
+              <a:buFont typeface="Wingdings" panose="05000000000000000000" pitchFamily="2" charset="2"/>
+              <a:buChar char="Ø"/>
+            </a:pPr>
+            <a:endParaRPr lang="pt-BR" sz="2000" dirty="0"/>
+          </a:p>
+          <a:p>
+            <a:pPr marL="285750" indent="-285750" algn="just">
+              <a:buFont typeface="Wingdings" panose="05000000000000000000" pitchFamily="2" charset="2"/>
+              <a:buChar char="Ø"/>
+            </a:pPr>
+            <a:endParaRPr lang="pt-BR" sz="2000" dirty="0"/>
+          </a:p>
+        </p:txBody>
+      </p:sp>
+    </p:spTree>
+    <p:extLst>
+      <p:ext uri="{BB962C8B-B14F-4D97-AF65-F5344CB8AC3E}">
+        <p14:creationId xmlns:p14="http://schemas.microsoft.com/office/powerpoint/2010/main" val="1828315252"/>
+      </p:ext>
+    </p:extLst>
+  </p:cSld>
+  <p:clrMapOvr>
+    <a:masterClrMapping/>
+  </p:clrMapOvr>
+</p:sld>
+</file>
+
+<file path=ppt/slides/slide16.xml><?xml version="1.0" encoding="utf-8"?>
+<p:sld xmlns:a="http://schemas.openxmlformats.org/drawingml/2006/main" xmlns:r="http://schemas.openxmlformats.org/officeDocument/2006/relationships" xmlns:p="http://schemas.openxmlformats.org/presentationml/2006/main">
+  <p:cSld>
+    <p:spTree>
+      <p:nvGrpSpPr>
+        <p:cNvPr id="1" name=""/>
+        <p:cNvGrpSpPr/>
+        <p:nvPr/>
+      </p:nvGrpSpPr>
+      <p:grpSpPr>
+        <a:xfrm>
+          <a:off x="0" y="0"/>
+          <a:ext cx="0" cy="0"/>
+          <a:chOff x="0" y="0"/>
+          <a:chExt cx="0" cy="0"/>
+        </a:xfrm>
+      </p:grpSpPr>
+      <p:pic>
+        <p:nvPicPr>
+          <p:cNvPr id="2" name="Imagem 1"/>
+          <p:cNvPicPr>
+            <a:picLocks noChangeAspect="1"/>
+          </p:cNvPicPr>
+          <p:nvPr/>
+        </p:nvPicPr>
+        <p:blipFill>
+          <a:blip r:embed="rId2" cstate="print">
+            <a:extLst>
+              <a:ext uri="{28A0092B-C50C-407E-A947-70E740481C1C}">
+                <a14:useLocalDpi xmlns:a14="http://schemas.microsoft.com/office/drawing/2010/main" val="0"/>
+              </a:ext>
+            </a:extLst>
+          </a:blip>
+          <a:stretch>
+            <a:fillRect/>
+          </a:stretch>
+        </p:blipFill>
+        <p:spPr>
+          <a:xfrm>
+            <a:off x="-1" y="0"/>
+            <a:ext cx="12191999" cy="6858000"/>
+          </a:xfrm>
+          <a:prstGeom prst="rect">
+            <a:avLst/>
+          </a:prstGeom>
+        </p:spPr>
+      </p:pic>
+      <p:sp>
+        <p:nvSpPr>
+          <p:cNvPr id="4" name="TextBox 6">
+            <a:extLst>
+              <a:ext uri="{FF2B5EF4-FFF2-40B4-BE49-F238E27FC236}">
+                <a16:creationId xmlns:a16="http://schemas.microsoft.com/office/drawing/2014/main" id="{68C89478-70A8-4AD7-AB74-70F54AAFBB77}"/>
+              </a:ext>
+            </a:extLst>
+          </p:cNvPr>
+          <p:cNvSpPr txBox="1"/>
+          <p:nvPr/>
+        </p:nvSpPr>
+        <p:spPr>
+          <a:xfrm>
+            <a:off x="2705812" y="122590"/>
+            <a:ext cx="6780363" cy="584775"/>
+          </a:xfrm>
+          <a:prstGeom prst="rect">
+            <a:avLst/>
+          </a:prstGeom>
+          <a:noFill/>
+        </p:spPr>
+        <p:txBody>
+          <a:bodyPr wrap="square" rtlCol="0">
+            <a:spAutoFit/>
+          </a:bodyPr>
+          <a:lstStyle/>
+          <a:p>
+            <a:pPr algn="ctr"/>
+            <a:r>
+              <a:rPr lang="pt-BR" sz="3200" b="1" dirty="0"/>
+              <a:t>Modelagem</a:t>
+            </a:r>
+          </a:p>
+        </p:txBody>
+      </p:sp>
+      <p:sp>
+        <p:nvSpPr>
+          <p:cNvPr id="5" name="TextBox 7">
+            <a:extLst>
+              <a:ext uri="{FF2B5EF4-FFF2-40B4-BE49-F238E27FC236}">
+                <a16:creationId xmlns:a16="http://schemas.microsoft.com/office/drawing/2014/main" id="{11B0D27F-1687-473D-B0E4-C9C51FEDA9F7}"/>
+              </a:ext>
+            </a:extLst>
+          </p:cNvPr>
+          <p:cNvSpPr txBox="1"/>
+          <p:nvPr/>
+        </p:nvSpPr>
+        <p:spPr>
+          <a:xfrm>
+            <a:off x="1506734" y="966527"/>
+            <a:ext cx="9178517" cy="2554545"/>
+          </a:xfrm>
+          <a:prstGeom prst="rect">
+            <a:avLst/>
+          </a:prstGeom>
+          <a:noFill/>
+        </p:spPr>
+        <p:txBody>
+          <a:bodyPr wrap="square" rtlCol="0">
+            <a:spAutoFit/>
+          </a:bodyPr>
+          <a:lstStyle/>
+          <a:p>
+            <a:pPr algn="just"/>
+            <a:r>
+              <a:rPr lang="pt-BR" sz="2000" b="1" dirty="0"/>
+              <a:t>Passo 6 -  Identificação de composição de serviços:</a:t>
+            </a:r>
+          </a:p>
+          <a:p>
+            <a:pPr algn="just"/>
+            <a:endParaRPr lang="pt-BR" sz="2000" b="1" dirty="0"/>
+          </a:p>
+          <a:p>
+            <a:pPr algn="just"/>
+            <a:r>
+              <a:rPr lang="pt-BR" sz="2000" dirty="0"/>
+              <a:t>O serviço de manejo de entrega será responsável por todo o processo de entrega.</a:t>
+            </a:r>
+          </a:p>
+          <a:p>
+            <a:pPr algn="just"/>
+            <a:endParaRPr lang="pt-BR" sz="2000" dirty="0"/>
+          </a:p>
+          <a:p>
+            <a:pPr algn="just"/>
+            <a:r>
+              <a:rPr lang="pt-BR" sz="2000" dirty="0"/>
+              <a:t>Sua responsabilidade será, no início do procedimento, lançar estado da entrega a partir de sua saída até o momento de entrega. Uma vez entregue, o mesmo serviço sinaliza com um disparo de e-mail para o cliente. </a:t>
+            </a:r>
+          </a:p>
+          <a:p>
+            <a:pPr marL="285750" indent="-285750" algn="just">
+              <a:buFont typeface="Wingdings" panose="05000000000000000000" pitchFamily="2" charset="2"/>
+              <a:buChar char="Ø"/>
+            </a:pPr>
+            <a:endParaRPr lang="pt-BR" sz="2000" dirty="0"/>
+          </a:p>
+        </p:txBody>
+      </p:sp>
+    </p:spTree>
+    <p:extLst>
+      <p:ext uri="{BB962C8B-B14F-4D97-AF65-F5344CB8AC3E}">
+        <p14:creationId xmlns:p14="http://schemas.microsoft.com/office/powerpoint/2010/main" val="4157594736"/>
+      </p:ext>
+    </p:extLst>
+  </p:cSld>
+  <p:clrMapOvr>
+    <a:masterClrMapping/>
+  </p:clrMapOvr>
+</p:sld>
+</file>
+
+<file path=ppt/slides/slide17.xml><?xml version="1.0" encoding="utf-8"?>
+<p:sld xmlns:a="http://schemas.openxmlformats.org/drawingml/2006/main" xmlns:r="http://schemas.openxmlformats.org/officeDocument/2006/relationships" xmlns:p="http://schemas.openxmlformats.org/presentationml/2006/main">
+  <p:cSld>
+    <p:spTree>
+      <p:nvGrpSpPr>
+        <p:cNvPr id="1" name=""/>
+        <p:cNvGrpSpPr/>
+        <p:nvPr/>
+      </p:nvGrpSpPr>
+      <p:grpSpPr>
+        <a:xfrm>
+          <a:off x="0" y="0"/>
+          <a:ext cx="0" cy="0"/>
+          <a:chOff x="0" y="0"/>
+          <a:chExt cx="0" cy="0"/>
+        </a:xfrm>
+      </p:grpSpPr>
+      <p:pic>
+        <p:nvPicPr>
+          <p:cNvPr id="2" name="Imagem 1"/>
+          <p:cNvPicPr>
+            <a:picLocks noChangeAspect="1"/>
+          </p:cNvPicPr>
+          <p:nvPr/>
+        </p:nvPicPr>
+        <p:blipFill>
+          <a:blip r:embed="rId2" cstate="print">
+            <a:extLst>
+              <a:ext uri="{28A0092B-C50C-407E-A947-70E740481C1C}">
+                <a14:useLocalDpi xmlns:a14="http://schemas.microsoft.com/office/drawing/2010/main" val="0"/>
+              </a:ext>
+            </a:extLst>
+          </a:blip>
+          <a:stretch>
+            <a:fillRect/>
+          </a:stretch>
+        </p:blipFill>
+        <p:spPr>
+          <a:xfrm>
+            <a:off x="-1" y="0"/>
+            <a:ext cx="12191999" cy="6858000"/>
+          </a:xfrm>
+          <a:prstGeom prst="rect">
+            <a:avLst/>
+          </a:prstGeom>
+        </p:spPr>
+      </p:pic>
+      <p:sp>
+        <p:nvSpPr>
+          <p:cNvPr id="4" name="TextBox 6">
+            <a:extLst>
+              <a:ext uri="{FF2B5EF4-FFF2-40B4-BE49-F238E27FC236}">
+                <a16:creationId xmlns:a16="http://schemas.microsoft.com/office/drawing/2014/main" id="{68C89478-70A8-4AD7-AB74-70F54AAFBB77}"/>
+              </a:ext>
+            </a:extLst>
+          </p:cNvPr>
+          <p:cNvSpPr txBox="1"/>
+          <p:nvPr/>
+        </p:nvSpPr>
+        <p:spPr>
+          <a:xfrm>
+            <a:off x="2705812" y="122590"/>
+            <a:ext cx="6780363" cy="584775"/>
+          </a:xfrm>
+          <a:prstGeom prst="rect">
+            <a:avLst/>
+          </a:prstGeom>
+          <a:noFill/>
+        </p:spPr>
+        <p:txBody>
+          <a:bodyPr wrap="square" rtlCol="0">
+            <a:spAutoFit/>
+          </a:bodyPr>
+          <a:lstStyle/>
+          <a:p>
+            <a:pPr algn="ctr"/>
+            <a:r>
+              <a:rPr lang="pt-BR" sz="3200" b="1" dirty="0"/>
+              <a:t>Modelagem</a:t>
+            </a:r>
+          </a:p>
+        </p:txBody>
+      </p:sp>
+      <p:sp>
+        <p:nvSpPr>
+          <p:cNvPr id="5" name="TextBox 7">
+            <a:extLst>
+              <a:ext uri="{FF2B5EF4-FFF2-40B4-BE49-F238E27FC236}">
+                <a16:creationId xmlns:a16="http://schemas.microsoft.com/office/drawing/2014/main" id="{3B892A77-DB05-4BDF-8FFE-CE4317036BF1}"/>
+              </a:ext>
+            </a:extLst>
+          </p:cNvPr>
+          <p:cNvSpPr txBox="1"/>
+          <p:nvPr/>
+        </p:nvSpPr>
+        <p:spPr>
+          <a:xfrm>
+            <a:off x="1506734" y="966527"/>
+            <a:ext cx="9178517" cy="5324535"/>
+          </a:xfrm>
+          <a:prstGeom prst="rect">
+            <a:avLst/>
+          </a:prstGeom>
+          <a:noFill/>
+        </p:spPr>
+        <p:txBody>
+          <a:bodyPr wrap="square" rtlCol="0">
+            <a:spAutoFit/>
+          </a:bodyPr>
+          <a:lstStyle/>
+          <a:p>
+            <a:pPr algn="just"/>
+            <a:r>
+              <a:rPr lang="pt-BR" sz="2000" b="1" dirty="0"/>
+              <a:t>Passo 7 -  Revisão de agrupamento:</a:t>
+            </a:r>
+          </a:p>
+          <a:p>
+            <a:pPr algn="just"/>
+            <a:endParaRPr lang="pt-BR" sz="2000" b="1" dirty="0"/>
+          </a:p>
+          <a:p>
+            <a:pPr marL="342900" indent="-342900" algn="just">
+              <a:buFont typeface="Wingdings" panose="05000000000000000000" pitchFamily="2" charset="2"/>
+              <a:buChar char="q"/>
+            </a:pPr>
+            <a:r>
+              <a:rPr lang="pt-BR" sz="2000" b="1" dirty="0"/>
+              <a:t>Autenticação:</a:t>
+            </a:r>
+          </a:p>
+          <a:p>
+            <a:pPr marL="342900" indent="-342900" algn="just">
+              <a:buClr>
+                <a:srgbClr val="00B0F0"/>
+              </a:buClr>
+              <a:buFont typeface="Wingdings" panose="05000000000000000000" pitchFamily="2" charset="2"/>
+              <a:buChar char="ü"/>
+            </a:pPr>
+            <a:r>
+              <a:rPr lang="pt-BR" sz="2000" dirty="0"/>
+              <a:t> Identificar usuário.</a:t>
+            </a:r>
+          </a:p>
+          <a:p>
+            <a:pPr marL="342900" indent="-342900" algn="just">
+              <a:buClr>
+                <a:srgbClr val="00B0F0"/>
+              </a:buClr>
+              <a:buFont typeface="Wingdings" panose="05000000000000000000" pitchFamily="2" charset="2"/>
+              <a:buChar char="ü"/>
+            </a:pPr>
+            <a:endParaRPr lang="pt-BR" sz="2000" b="1" dirty="0"/>
+          </a:p>
+          <a:p>
+            <a:pPr marL="342900" indent="-342900" algn="just">
+              <a:buFont typeface="Wingdings" panose="05000000000000000000" pitchFamily="2" charset="2"/>
+              <a:buChar char="q"/>
+            </a:pPr>
+            <a:r>
+              <a:rPr lang="pt-BR" sz="2000" b="1" dirty="0"/>
+              <a:t>Pedidos: </a:t>
+            </a:r>
+          </a:p>
+          <a:p>
+            <a:pPr marL="342900" indent="-342900" algn="just">
+              <a:buClr>
+                <a:srgbClr val="00B0F0"/>
+              </a:buClr>
+              <a:buFont typeface="Wingdings" panose="05000000000000000000" pitchFamily="2" charset="2"/>
+              <a:buChar char="ü"/>
+            </a:pPr>
+            <a:r>
+              <a:rPr lang="pt-BR" sz="2000" dirty="0"/>
+              <a:t>Consultar pedidos.</a:t>
+            </a:r>
+          </a:p>
+          <a:p>
+            <a:pPr marL="342900" indent="-342900" algn="just">
+              <a:buClr>
+                <a:srgbClr val="00B0F0"/>
+              </a:buClr>
+              <a:buFont typeface="Wingdings" panose="05000000000000000000" pitchFamily="2" charset="2"/>
+              <a:buChar char="ü"/>
+            </a:pPr>
+            <a:r>
+              <a:rPr lang="pt-BR" sz="2000" dirty="0"/>
+              <a:t>Registrar atualização de pedidos.</a:t>
+            </a:r>
+          </a:p>
+          <a:p>
+            <a:pPr marL="342900" indent="-342900" algn="just">
+              <a:buClr>
+                <a:srgbClr val="00B0F0"/>
+              </a:buClr>
+              <a:buFont typeface="Wingdings" panose="05000000000000000000" pitchFamily="2" charset="2"/>
+              <a:buChar char="ü"/>
+            </a:pPr>
+            <a:endParaRPr lang="pt-BR" sz="2000" b="1" dirty="0"/>
+          </a:p>
+          <a:p>
+            <a:pPr marL="342900" indent="-342900" algn="just">
+              <a:buFont typeface="Wingdings" panose="05000000000000000000" pitchFamily="2" charset="2"/>
+              <a:buChar char="q"/>
+            </a:pPr>
+            <a:r>
+              <a:rPr lang="pt-BR" sz="2000" b="1" dirty="0"/>
+              <a:t>Entrega: </a:t>
+            </a:r>
+          </a:p>
+          <a:p>
+            <a:pPr marL="342900" indent="-342900" algn="just">
+              <a:buClr>
+                <a:srgbClr val="00B0F0"/>
+              </a:buClr>
+              <a:buFont typeface="Wingdings" panose="05000000000000000000" pitchFamily="2" charset="2"/>
+              <a:buChar char="ü"/>
+            </a:pPr>
+            <a:r>
+              <a:rPr lang="pt-BR" sz="2000" dirty="0"/>
+              <a:t>Iniciar entrega.</a:t>
+            </a:r>
+          </a:p>
+          <a:p>
+            <a:pPr marL="342900" indent="-342900" algn="just">
+              <a:buClr>
+                <a:srgbClr val="00B0F0"/>
+              </a:buClr>
+              <a:buFont typeface="Wingdings" panose="05000000000000000000" pitchFamily="2" charset="2"/>
+              <a:buChar char="ü"/>
+            </a:pPr>
+            <a:r>
+              <a:rPr lang="pt-BR" sz="2000" dirty="0"/>
+              <a:t>Registrar entrega.</a:t>
+            </a:r>
+            <a:endParaRPr lang="pt-BR" sz="2000" b="1" dirty="0"/>
+          </a:p>
+          <a:p>
+            <a:pPr marL="342900" indent="-342900" algn="just">
+              <a:buClr>
+                <a:srgbClr val="00B0F0"/>
+              </a:buClr>
+              <a:buFont typeface="Wingdings" panose="05000000000000000000" pitchFamily="2" charset="2"/>
+              <a:buChar char="ü"/>
+            </a:pPr>
+            <a:endParaRPr lang="pt-BR" sz="2000" b="1" dirty="0"/>
+          </a:p>
+          <a:p>
+            <a:pPr marL="342900" indent="-342900" algn="just">
+              <a:buFont typeface="Wingdings" panose="05000000000000000000" pitchFamily="2" charset="2"/>
+              <a:buChar char="q"/>
+            </a:pPr>
+            <a:r>
+              <a:rPr lang="pt-BR" sz="2000" b="1" dirty="0"/>
+              <a:t>Mensageiro: </a:t>
+            </a:r>
+          </a:p>
+          <a:p>
+            <a:pPr marL="342900" indent="-342900" algn="just">
+              <a:buClr>
+                <a:srgbClr val="00B0F0"/>
+              </a:buClr>
+              <a:buFont typeface="Wingdings" panose="05000000000000000000" pitchFamily="2" charset="2"/>
+              <a:buChar char="ü"/>
+            </a:pPr>
+            <a:r>
+              <a:rPr lang="pt-BR" sz="2000" dirty="0"/>
+              <a:t>Enviar e-mail de entrega para o cliente.</a:t>
+            </a:r>
+          </a:p>
+          <a:p>
+            <a:pPr marL="285750" indent="-285750" algn="just">
+              <a:buFont typeface="Wingdings" panose="05000000000000000000" pitchFamily="2" charset="2"/>
+              <a:buChar char="Ø"/>
+            </a:pPr>
+            <a:endParaRPr lang="pt-BR" sz="2000" dirty="0"/>
+          </a:p>
+          <a:p>
+            <a:pPr marL="285750" indent="-285750" algn="just">
+              <a:buFont typeface="Wingdings" panose="05000000000000000000" pitchFamily="2" charset="2"/>
+              <a:buChar char="Ø"/>
+            </a:pPr>
+            <a:endParaRPr lang="pt-BR" sz="2000" dirty="0"/>
+          </a:p>
+        </p:txBody>
+      </p:sp>
+    </p:spTree>
+    <p:extLst>
+      <p:ext uri="{BB962C8B-B14F-4D97-AF65-F5344CB8AC3E}">
+        <p14:creationId xmlns:p14="http://schemas.microsoft.com/office/powerpoint/2010/main" val="171190183"/>
+      </p:ext>
+    </p:extLst>
+  </p:cSld>
+  <p:clrMapOvr>
+    <a:masterClrMapping/>
+  </p:clrMapOvr>
+</p:sld>
+</file>
+
+<file path=ppt/slides/slide18.xml><?xml version="1.0" encoding="utf-8"?>
+<p:sld xmlns:a="http://schemas.openxmlformats.org/drawingml/2006/main" xmlns:r="http://schemas.openxmlformats.org/officeDocument/2006/relationships" xmlns:p="http://schemas.openxmlformats.org/presentationml/2006/main">
+  <p:cSld>
+    <p:spTree>
+      <p:nvGrpSpPr>
+        <p:cNvPr id="1" name=""/>
+        <p:cNvGrpSpPr/>
+        <p:nvPr/>
+      </p:nvGrpSpPr>
+      <p:grpSpPr>
+        <a:xfrm>
+          <a:off x="0" y="0"/>
+          <a:ext cx="0" cy="0"/>
+          <a:chOff x="0" y="0"/>
+          <a:chExt cx="0" cy="0"/>
+        </a:xfrm>
+      </p:grpSpPr>
+      <p:pic>
+        <p:nvPicPr>
+          <p:cNvPr id="2" name="Imagem 1"/>
+          <p:cNvPicPr>
+            <a:picLocks noChangeAspect="1"/>
+          </p:cNvPicPr>
+          <p:nvPr/>
+        </p:nvPicPr>
+        <p:blipFill>
+          <a:blip r:embed="rId2" cstate="print">
+            <a:extLst>
+              <a:ext uri="{28A0092B-C50C-407E-A947-70E740481C1C}">
+                <a14:useLocalDpi xmlns:a14="http://schemas.microsoft.com/office/drawing/2010/main" val="0"/>
+              </a:ext>
+            </a:extLst>
+          </a:blip>
+          <a:stretch>
+            <a:fillRect/>
+          </a:stretch>
+        </p:blipFill>
+        <p:spPr>
+          <a:xfrm>
+            <a:off x="-1" y="0"/>
+            <a:ext cx="12191999" cy="6858000"/>
+          </a:xfrm>
+          <a:prstGeom prst="rect">
+            <a:avLst/>
+          </a:prstGeom>
+        </p:spPr>
+      </p:pic>
+      <p:sp>
+        <p:nvSpPr>
+          <p:cNvPr id="4" name="TextBox 6">
+            <a:extLst>
+              <a:ext uri="{FF2B5EF4-FFF2-40B4-BE49-F238E27FC236}">
+                <a16:creationId xmlns:a16="http://schemas.microsoft.com/office/drawing/2014/main" id="{68C89478-70A8-4AD7-AB74-70F54AAFBB77}"/>
+              </a:ext>
+            </a:extLst>
+          </p:cNvPr>
+          <p:cNvSpPr txBox="1"/>
+          <p:nvPr/>
+        </p:nvSpPr>
+        <p:spPr>
+          <a:xfrm>
+            <a:off x="2705812" y="122590"/>
+            <a:ext cx="6780363" cy="584775"/>
+          </a:xfrm>
+          <a:prstGeom prst="rect">
+            <a:avLst/>
+          </a:prstGeom>
+          <a:noFill/>
+        </p:spPr>
+        <p:txBody>
+          <a:bodyPr wrap="square" rtlCol="0">
+            <a:spAutoFit/>
+          </a:bodyPr>
+          <a:lstStyle/>
+          <a:p>
+            <a:pPr algn="ctr"/>
+            <a:r>
+              <a:rPr lang="pt-BR" sz="3200" b="1" dirty="0"/>
+              <a:t>Modelagem</a:t>
+            </a:r>
+          </a:p>
+        </p:txBody>
+      </p:sp>
+      <p:sp>
+        <p:nvSpPr>
+          <p:cNvPr id="6" name="TextBox 7">
+            <a:extLst>
+              <a:ext uri="{FF2B5EF4-FFF2-40B4-BE49-F238E27FC236}">
+                <a16:creationId xmlns:a16="http://schemas.microsoft.com/office/drawing/2014/main" id="{902C722C-D2BC-488D-B202-D46A934090FE}"/>
+              </a:ext>
+            </a:extLst>
+          </p:cNvPr>
+          <p:cNvSpPr txBox="1"/>
+          <p:nvPr/>
+        </p:nvSpPr>
+        <p:spPr>
+          <a:xfrm>
+            <a:off x="1506734" y="966527"/>
+            <a:ext cx="9178517" cy="1631216"/>
+          </a:xfrm>
+          <a:prstGeom prst="rect">
+            <a:avLst/>
+          </a:prstGeom>
+          <a:noFill/>
+        </p:spPr>
+        <p:txBody>
+          <a:bodyPr wrap="square" rtlCol="0">
+            <a:spAutoFit/>
+          </a:bodyPr>
+          <a:lstStyle/>
+          <a:p>
+            <a:pPr algn="just"/>
+            <a:r>
+              <a:rPr lang="pt-BR" sz="2000" b="1" dirty="0"/>
+              <a:t>Passo 8 -  Relação de serviços refinada:</a:t>
+            </a:r>
+          </a:p>
+          <a:p>
+            <a:pPr algn="just"/>
+            <a:endParaRPr lang="pt-BR" sz="2000" b="1" dirty="0"/>
+          </a:p>
+          <a:p>
+            <a:pPr algn="just"/>
+            <a:endParaRPr lang="pt-BR" sz="2000" dirty="0"/>
+          </a:p>
+          <a:p>
+            <a:pPr marL="285750" indent="-285750" algn="just">
+              <a:buFont typeface="Wingdings" panose="05000000000000000000" pitchFamily="2" charset="2"/>
+              <a:buChar char="Ø"/>
+            </a:pPr>
+            <a:endParaRPr lang="pt-BR" sz="2000" dirty="0"/>
+          </a:p>
+          <a:p>
+            <a:pPr marL="285750" indent="-285750" algn="just">
+              <a:buFont typeface="Wingdings" panose="05000000000000000000" pitchFamily="2" charset="2"/>
+              <a:buChar char="Ø"/>
+            </a:pPr>
+            <a:endParaRPr lang="pt-BR" sz="2000" dirty="0"/>
+          </a:p>
+        </p:txBody>
+      </p:sp>
+      <p:pic>
+        <p:nvPicPr>
+          <p:cNvPr id="9" name="Imagem 8" descr="Diagrama&#10;&#10;Descrição gerada automaticamente">
+            <a:extLst>
+              <a:ext uri="{FF2B5EF4-FFF2-40B4-BE49-F238E27FC236}">
+                <a16:creationId xmlns:a16="http://schemas.microsoft.com/office/drawing/2014/main" id="{0CA4FFF5-2AD3-4818-B6FE-D934B633C313}"/>
+              </a:ext>
+            </a:extLst>
+          </p:cNvPr>
+          <p:cNvPicPr>
+            <a:picLocks noChangeAspect="1"/>
+          </p:cNvPicPr>
+          <p:nvPr/>
+        </p:nvPicPr>
+        <p:blipFill>
+          <a:blip r:embed="rId3">
+            <a:extLst>
+              <a:ext uri="{28A0092B-C50C-407E-A947-70E740481C1C}">
+                <a14:useLocalDpi xmlns:a14="http://schemas.microsoft.com/office/drawing/2010/main" val="0"/>
+              </a:ext>
+            </a:extLst>
+          </a:blip>
+          <a:stretch>
+            <a:fillRect/>
+          </a:stretch>
+        </p:blipFill>
+        <p:spPr>
+          <a:xfrm>
+            <a:off x="2789872" y="1829434"/>
+            <a:ext cx="6612255" cy="2600325"/>
+          </a:xfrm>
+          <a:prstGeom prst="rect">
+            <a:avLst/>
+          </a:prstGeom>
+        </p:spPr>
+      </p:pic>
+    </p:spTree>
+    <p:extLst>
+      <p:ext uri="{BB962C8B-B14F-4D97-AF65-F5344CB8AC3E}">
+        <p14:creationId xmlns:p14="http://schemas.microsoft.com/office/powerpoint/2010/main" val="3900385513"/>
       </p:ext>
     </p:extLst>
   </p:cSld>
@@ -3383,7 +5149,7 @@
         </p:blipFill>
         <p:spPr>
           <a:xfrm>
-            <a:off x="1546804" y="723588"/>
+            <a:off x="1414732" y="723588"/>
             <a:ext cx="9098386" cy="5789355"/>
           </a:xfrm>
           <a:prstGeom prst="rect">
@@ -3882,7 +5648,7 @@
         <p:spPr>
           <a:xfrm>
             <a:off x="1506734" y="966527"/>
-            <a:ext cx="9178517" cy="707886"/>
+            <a:ext cx="9178517" cy="1015663"/>
           </a:xfrm>
           <a:prstGeom prst="rect">
             <a:avLst/>
@@ -3898,59 +5664,93 @@
             <a:pPr algn="just"/>
             <a:r>
               <a:rPr lang="pt-BR" sz="2000" b="1" dirty="0"/>
-              <a:t>Passo 1 – Modelo de alto nível</a:t>
-            </a:r>
+              <a:t>Passo 2 – Identificação dos sistemas legados.</a:t>
+            </a:r>
+          </a:p>
+          <a:p>
+            <a:pPr algn="just"/>
             <a:endParaRPr lang="pt-BR" sz="2000" dirty="0"/>
           </a:p>
           <a:p>
-            <a:pPr marL="285750" indent="-285750" algn="just">
-              <a:buFont typeface="Wingdings" panose="05000000000000000000" pitchFamily="2" charset="2"/>
-              <a:buChar char="Ø"/>
-            </a:pPr>
+            <a:pPr algn="just"/>
             <a:endParaRPr lang="pt-BR" sz="2000" dirty="0"/>
           </a:p>
         </p:txBody>
       </p:sp>
-      <p:pic>
-        <p:nvPicPr>
-          <p:cNvPr id="4" name="Imagem 3" descr="Diagrama&#10;&#10;Descrição gerada automaticamente">
+      <p:sp>
+        <p:nvSpPr>
+          <p:cNvPr id="6" name="CaixaDeTexto 5">
             <a:extLst>
               <a:ext uri="{FF2B5EF4-FFF2-40B4-BE49-F238E27FC236}">
-                <a16:creationId xmlns:a16="http://schemas.microsoft.com/office/drawing/2014/main" id="{3FEF45B7-8157-4746-BE81-275B754C833A}"/>
+                <a16:creationId xmlns:a16="http://schemas.microsoft.com/office/drawing/2014/main" id="{EF7D4537-48EB-41DB-B85B-CF8451B88503}"/>
               </a:ext>
             </a:extLst>
           </p:cNvPr>
-          <p:cNvPicPr>
-            <a:picLocks noChangeAspect="1"/>
-          </p:cNvPicPr>
+          <p:cNvSpPr txBox="1"/>
           <p:nvPr/>
-        </p:nvPicPr>
-        <p:blipFill>
-          <a:blip r:embed="rId3">
-            <a:extLst>
-              <a:ext uri="{28A0092B-C50C-407E-A947-70E740481C1C}">
-                <a14:useLocalDpi xmlns:a14="http://schemas.microsoft.com/office/drawing/2010/main" val="0"/>
-              </a:ext>
-            </a:extLst>
-          </a:blip>
-          <a:stretch>
-            <a:fillRect/>
-          </a:stretch>
-        </p:blipFill>
-        <p:spPr>
-          <a:xfrm>
-            <a:off x="1624004" y="1673892"/>
-            <a:ext cx="8943975" cy="4533900"/>
+        </p:nvSpPr>
+        <p:spPr>
+          <a:xfrm>
+            <a:off x="1506734" y="1474358"/>
+            <a:ext cx="6172200" cy="1200329"/>
           </a:xfrm>
           <a:prstGeom prst="rect">
             <a:avLst/>
           </a:prstGeom>
-        </p:spPr>
-      </p:pic>
+          <a:noFill/>
+        </p:spPr>
+        <p:txBody>
+          <a:bodyPr wrap="square">
+            <a:spAutoFit/>
+          </a:bodyPr>
+          <a:lstStyle/>
+          <a:p>
+            <a:pPr algn="just"/>
+            <a:endParaRPr lang="pt-BR" sz="1800" b="1" dirty="0"/>
+          </a:p>
+          <a:p>
+            <a:pPr marL="342900" indent="-342900" algn="just">
+              <a:buFont typeface="Wingdings" panose="05000000000000000000" pitchFamily="2" charset="2"/>
+              <a:buChar char="q"/>
+            </a:pPr>
+            <a:r>
+              <a:rPr lang="pt-BR" sz="1800" b="1" dirty="0"/>
+              <a:t>Legados:</a:t>
+            </a:r>
+          </a:p>
+          <a:p>
+            <a:pPr marL="342900" indent="-342900" algn="just">
+              <a:buClr>
+                <a:srgbClr val="00B0F0"/>
+              </a:buClr>
+              <a:buFont typeface="Wingdings" panose="05000000000000000000" pitchFamily="2" charset="2"/>
+              <a:buChar char="ü"/>
+            </a:pPr>
+            <a:r>
+              <a:rPr lang="pt-BR" sz="1800" dirty="0"/>
+              <a:t>Sistema de envio de e-mail / mensagens.</a:t>
+            </a:r>
+          </a:p>
+          <a:p>
+            <a:pPr marL="342900" indent="-342900" algn="just">
+              <a:buClr>
+                <a:srgbClr val="00B0F0"/>
+              </a:buClr>
+              <a:buFont typeface="Wingdings" panose="05000000000000000000" pitchFamily="2" charset="2"/>
+              <a:buChar char="ü"/>
+            </a:pPr>
+            <a:r>
+              <a:rPr lang="pt-BR" dirty="0"/>
+              <a:t>Provedor de serviço de logística</a:t>
+            </a:r>
+            <a:endParaRPr lang="pt-BR" sz="1800" dirty="0"/>
+          </a:p>
+        </p:txBody>
+      </p:sp>
     </p:spTree>
     <p:extLst>
       <p:ext uri="{BB962C8B-B14F-4D97-AF65-F5344CB8AC3E}">
-        <p14:creationId xmlns:p14="http://schemas.microsoft.com/office/powerpoint/2010/main" val="773134319"/>
+        <p14:creationId xmlns:p14="http://schemas.microsoft.com/office/powerpoint/2010/main" val="2138705854"/>
       </p:ext>
     </p:extLst>
   </p:cSld>
@@ -4046,7 +5846,7 @@
         <p:spPr>
           <a:xfrm>
             <a:off x="1506734" y="966527"/>
-            <a:ext cx="9178517" cy="1015663"/>
+            <a:ext cx="9178517" cy="707886"/>
           </a:xfrm>
           <a:prstGeom prst="rect">
             <a:avLst/>
@@ -4062,23 +5862,59 @@
             <a:pPr algn="just"/>
             <a:r>
               <a:rPr lang="pt-BR" sz="2000" b="1" dirty="0"/>
-              <a:t>Passo 2 – Identificação dos sistemas legados.</a:t>
-            </a:r>
-          </a:p>
-          <a:p>
-            <a:pPr algn="just"/>
-            <a:endParaRPr lang="pt-BR" sz="2000"/>
-          </a:p>
-          <a:p>
-            <a:pPr algn="just"/>
+              <a:t>Passo 2 – Modelo de alto nível</a:t>
+            </a:r>
             <a:endParaRPr lang="pt-BR" sz="2000" dirty="0"/>
           </a:p>
-        </p:txBody>
-      </p:sp>
+          <a:p>
+            <a:pPr marL="285750" indent="-285750" algn="just">
+              <a:buFont typeface="Wingdings" panose="05000000000000000000" pitchFamily="2" charset="2"/>
+              <a:buChar char="Ø"/>
+            </a:pPr>
+            <a:endParaRPr lang="pt-BR" sz="2000" dirty="0"/>
+          </a:p>
+        </p:txBody>
+      </p:sp>
+      <p:pic>
+        <p:nvPicPr>
+          <p:cNvPr id="5" name="Imagem 4" descr="Diagrama&#10;&#10;Descrição gerada automaticamente">
+            <a:extLst>
+              <a:ext uri="{FF2B5EF4-FFF2-40B4-BE49-F238E27FC236}">
+                <a16:creationId xmlns:a16="http://schemas.microsoft.com/office/drawing/2014/main" id="{8A600A6C-039C-4D2A-A011-3A7C63E6C3C0}"/>
+              </a:ext>
+            </a:extLst>
+          </p:cNvPr>
+          <p:cNvPicPr>
+            <a:picLocks noChangeAspect="1"/>
+          </p:cNvPicPr>
+          <p:nvPr/>
+        </p:nvPicPr>
+        <p:blipFill>
+          <a:blip r:embed="rId3">
+            <a:extLst>
+              <a:ext uri="{28A0092B-C50C-407E-A947-70E740481C1C}">
+                <a14:useLocalDpi xmlns:a14="http://schemas.microsoft.com/office/drawing/2010/main" val="0"/>
+              </a:ext>
+            </a:extLst>
+          </a:blip>
+          <a:stretch>
+            <a:fillRect/>
+          </a:stretch>
+        </p:blipFill>
+        <p:spPr>
+          <a:xfrm>
+            <a:off x="2705812" y="1455195"/>
+            <a:ext cx="6644783" cy="4786496"/>
+          </a:xfrm>
+          <a:prstGeom prst="rect">
+            <a:avLst/>
+          </a:prstGeom>
+        </p:spPr>
+      </p:pic>
     </p:spTree>
     <p:extLst>
       <p:ext uri="{BB962C8B-B14F-4D97-AF65-F5344CB8AC3E}">
-        <p14:creationId xmlns:p14="http://schemas.microsoft.com/office/powerpoint/2010/main" val="2138705854"/>
+        <p14:creationId xmlns:p14="http://schemas.microsoft.com/office/powerpoint/2010/main" val="773134319"/>
       </p:ext>
     </p:extLst>
   </p:cSld>
@@ -4160,7 +5996,7 @@
             <a:pPr algn="ctr"/>
             <a:r>
               <a:rPr lang="pt-BR" sz="3200" b="1" dirty="0"/>
-              <a:t>Análise</a:t>
+              <a:t>Modelagem</a:t>
             </a:r>
           </a:p>
         </p:txBody>
@@ -4174,7 +6010,7 @@
         <p:spPr>
           <a:xfrm>
             <a:off x="1506734" y="966527"/>
-            <a:ext cx="9178517" cy="1015663"/>
+            <a:ext cx="9178517" cy="400110"/>
           </a:xfrm>
           <a:prstGeom prst="rect">
             <a:avLst/>
@@ -4190,20 +6026,104 @@
             <a:pPr algn="just"/>
             <a:r>
               <a:rPr lang="pt-BR" sz="2000" b="1" dirty="0"/>
-              <a:t>Passo 3 – Modelagem de Serviços Candidatos.</a:t>
-            </a:r>
-          </a:p>
+              <a:t>Passo 1 – Decomposição do processo de negócio</a:t>
+            </a:r>
+            <a:endParaRPr lang="pt-BR" sz="2000" dirty="0"/>
+          </a:p>
+        </p:txBody>
+      </p:sp>
+      <p:sp>
+        <p:nvSpPr>
+          <p:cNvPr id="9" name="CaixaDeTexto 8">
+            <a:extLst>
+              <a:ext uri="{FF2B5EF4-FFF2-40B4-BE49-F238E27FC236}">
+                <a16:creationId xmlns:a16="http://schemas.microsoft.com/office/drawing/2014/main" id="{8F9F7A06-166D-4ABD-B393-9C3794BEC01E}"/>
+              </a:ext>
+            </a:extLst>
+          </p:cNvPr>
+          <p:cNvSpPr txBox="1"/>
+          <p:nvPr/>
+        </p:nvSpPr>
+        <p:spPr>
+          <a:xfrm>
+            <a:off x="1506734" y="1366637"/>
+            <a:ext cx="6172200" cy="1477328"/>
+          </a:xfrm>
+          <a:prstGeom prst="rect">
+            <a:avLst/>
+          </a:prstGeom>
+          <a:noFill/>
+        </p:spPr>
+        <p:txBody>
+          <a:bodyPr wrap="square">
+            <a:spAutoFit/>
+          </a:bodyPr>
+          <a:lstStyle/>
           <a:p>
             <a:pPr algn="just"/>
-            <a:endParaRPr lang="pt-BR" sz="2000" b="1" dirty="0"/>
-          </a:p>
-          <a:p>
-            <a:pPr algn="just"/>
-            <a:r>
-              <a:rPr lang="pt-BR" sz="2000" b="1" dirty="0"/>
-              <a:t>a) Decomposição do processo de negócio</a:t>
-            </a:r>
-            <a:endParaRPr lang="pt-BR" sz="2000" dirty="0"/>
+            <a:endParaRPr lang="pt-BR" sz="1800" b="1" dirty="0"/>
+          </a:p>
+          <a:p>
+            <a:pPr marL="342900" indent="-342900" algn="just">
+              <a:buFont typeface="Wingdings" panose="05000000000000000000" pitchFamily="2" charset="2"/>
+              <a:buChar char="q"/>
+            </a:pPr>
+            <a:r>
+              <a:rPr lang="pt-BR" b="1" dirty="0"/>
+              <a:t>Processos</a:t>
+            </a:r>
+            <a:r>
+              <a:rPr lang="pt-BR" sz="1800" b="1" dirty="0"/>
+              <a:t>:</a:t>
+            </a:r>
+          </a:p>
+          <a:p>
+            <a:pPr marL="342900" indent="-342900" algn="just">
+              <a:buClr>
+                <a:srgbClr val="00B0F0"/>
+              </a:buClr>
+              <a:buFont typeface="Wingdings" panose="05000000000000000000" pitchFamily="2" charset="2"/>
+              <a:buChar char="ü"/>
+            </a:pPr>
+            <a:r>
+              <a:rPr lang="pt-BR" dirty="0"/>
+              <a:t>Processo de consulta do entregador no sistema de logística</a:t>
+            </a:r>
+          </a:p>
+          <a:p>
+            <a:pPr marL="342900" indent="-342900" algn="just">
+              <a:buClr>
+                <a:srgbClr val="00B0F0"/>
+              </a:buClr>
+              <a:buFont typeface="Wingdings" panose="05000000000000000000" pitchFamily="2" charset="2"/>
+              <a:buChar char="ü"/>
+            </a:pPr>
+            <a:r>
+              <a:rPr lang="pt-BR" sz="1800" dirty="0"/>
+              <a:t>Processo de consulta do cliente </a:t>
+            </a:r>
+            <a:r>
+              <a:rPr lang="pt-BR" dirty="0"/>
+              <a:t>no sistema de logística</a:t>
+            </a:r>
+          </a:p>
+          <a:p>
+            <a:pPr marL="342900" indent="-342900" algn="just">
+              <a:buClr>
+                <a:srgbClr val="00B0F0"/>
+              </a:buClr>
+              <a:buFont typeface="Wingdings" panose="05000000000000000000" pitchFamily="2" charset="2"/>
+              <a:buChar char="ü"/>
+            </a:pPr>
+            <a:r>
+              <a:rPr lang="pt-BR" sz="1800" dirty="0"/>
+              <a:t>Processo de envio de e</a:t>
+            </a:r>
+            <a:r>
+              <a:rPr lang="pt-BR" dirty="0"/>
+              <a:t>-mails após a entrega do produto</a:t>
+            </a:r>
+            <a:endParaRPr lang="pt-BR" sz="1800" dirty="0"/>
           </a:p>
         </p:txBody>
       </p:sp>
@@ -4267,6 +6187,118 @@
           </a:prstGeom>
         </p:spPr>
       </p:pic>
+      <p:pic>
+        <p:nvPicPr>
+          <p:cNvPr id="8" name="Imagem 7" descr="Diagrama&#10;&#10;Descrição gerada automaticamente">
+            <a:extLst>
+              <a:ext uri="{FF2B5EF4-FFF2-40B4-BE49-F238E27FC236}">
+                <a16:creationId xmlns:a16="http://schemas.microsoft.com/office/drawing/2014/main" id="{BAED2208-8786-4291-A983-CADDF2E42228}"/>
+              </a:ext>
+            </a:extLst>
+          </p:cNvPr>
+          <p:cNvPicPr>
+            <a:picLocks noChangeAspect="1"/>
+          </p:cNvPicPr>
+          <p:nvPr/>
+        </p:nvPicPr>
+        <p:blipFill>
+          <a:blip r:embed="rId3">
+            <a:extLst>
+              <a:ext uri="{28A0092B-C50C-407E-A947-70E740481C1C}">
+                <a14:useLocalDpi xmlns:a14="http://schemas.microsoft.com/office/drawing/2010/main" val="0"/>
+              </a:ext>
+            </a:extLst>
+          </a:blip>
+          <a:stretch>
+            <a:fillRect/>
+          </a:stretch>
+        </p:blipFill>
+        <p:spPr>
+          <a:xfrm>
+            <a:off x="3105142" y="1556629"/>
+            <a:ext cx="5981700" cy="4133850"/>
+          </a:xfrm>
+          <a:prstGeom prst="rect">
+            <a:avLst/>
+          </a:prstGeom>
+        </p:spPr>
+      </p:pic>
+      <p:sp>
+        <p:nvSpPr>
+          <p:cNvPr id="9" name="TextBox 6">
+            <a:extLst>
+              <a:ext uri="{FF2B5EF4-FFF2-40B4-BE49-F238E27FC236}">
+                <a16:creationId xmlns:a16="http://schemas.microsoft.com/office/drawing/2014/main" id="{9AFB9E92-E714-41A6-A03A-76B96C5511B9}"/>
+              </a:ext>
+            </a:extLst>
+          </p:cNvPr>
+          <p:cNvSpPr txBox="1"/>
+          <p:nvPr/>
+        </p:nvSpPr>
+        <p:spPr>
+          <a:xfrm>
+            <a:off x="2705812" y="122590"/>
+            <a:ext cx="6780363" cy="584775"/>
+          </a:xfrm>
+          <a:prstGeom prst="rect">
+            <a:avLst/>
+          </a:prstGeom>
+          <a:noFill/>
+        </p:spPr>
+        <p:txBody>
+          <a:bodyPr wrap="square" rtlCol="0">
+            <a:spAutoFit/>
+          </a:bodyPr>
+          <a:lstStyle/>
+          <a:p>
+            <a:pPr algn="ctr"/>
+            <a:r>
+              <a:rPr lang="pt-BR" sz="3200" b="1" dirty="0"/>
+              <a:t>Modelagem</a:t>
+            </a:r>
+          </a:p>
+        </p:txBody>
+      </p:sp>
+      <p:sp>
+        <p:nvSpPr>
+          <p:cNvPr id="10" name="TextBox 7">
+            <a:extLst>
+              <a:ext uri="{FF2B5EF4-FFF2-40B4-BE49-F238E27FC236}">
+                <a16:creationId xmlns:a16="http://schemas.microsoft.com/office/drawing/2014/main" id="{AB929119-373A-4441-8F42-0CB7A3C7C5F7}"/>
+              </a:ext>
+            </a:extLst>
+          </p:cNvPr>
+          <p:cNvSpPr txBox="1"/>
+          <p:nvPr/>
+        </p:nvSpPr>
+        <p:spPr>
+          <a:xfrm>
+            <a:off x="1506734" y="966527"/>
+            <a:ext cx="9178517" cy="400110"/>
+          </a:xfrm>
+          <a:prstGeom prst="rect">
+            <a:avLst/>
+          </a:prstGeom>
+          <a:noFill/>
+        </p:spPr>
+        <p:txBody>
+          <a:bodyPr wrap="square" rtlCol="0">
+            <a:spAutoFit/>
+          </a:bodyPr>
+          <a:lstStyle/>
+          <a:p>
+            <a:pPr algn="just">
+              <a:buClr>
+                <a:srgbClr val="00B0F0"/>
+              </a:buClr>
+            </a:pPr>
+            <a:r>
+              <a:rPr lang="pt-BR" sz="2000" dirty="0"/>
+              <a:t>Processo de consulta do entregador no sistema de logística</a:t>
+            </a:r>
+          </a:p>
+        </p:txBody>
+      </p:sp>
     </p:spTree>
     <p:extLst>
       <p:ext uri="{BB962C8B-B14F-4D97-AF65-F5344CB8AC3E}">
@@ -4319,8 +6351,120 @@
         </p:blipFill>
         <p:spPr>
           <a:xfrm>
-            <a:off x="-1" y="0"/>
+            <a:off x="0" y="-122590"/>
             <a:ext cx="12191999" cy="6858000"/>
+          </a:xfrm>
+          <a:prstGeom prst="rect">
+            <a:avLst/>
+          </a:prstGeom>
+        </p:spPr>
+      </p:pic>
+      <p:sp>
+        <p:nvSpPr>
+          <p:cNvPr id="9" name="TextBox 6">
+            <a:extLst>
+              <a:ext uri="{FF2B5EF4-FFF2-40B4-BE49-F238E27FC236}">
+                <a16:creationId xmlns:a16="http://schemas.microsoft.com/office/drawing/2014/main" id="{9AFB9E92-E714-41A6-A03A-76B96C5511B9}"/>
+              </a:ext>
+            </a:extLst>
+          </p:cNvPr>
+          <p:cNvSpPr txBox="1"/>
+          <p:nvPr/>
+        </p:nvSpPr>
+        <p:spPr>
+          <a:xfrm>
+            <a:off x="2705812" y="122590"/>
+            <a:ext cx="6780363" cy="584775"/>
+          </a:xfrm>
+          <a:prstGeom prst="rect">
+            <a:avLst/>
+          </a:prstGeom>
+          <a:noFill/>
+        </p:spPr>
+        <p:txBody>
+          <a:bodyPr wrap="square" rtlCol="0">
+            <a:spAutoFit/>
+          </a:bodyPr>
+          <a:lstStyle/>
+          <a:p>
+            <a:pPr algn="ctr"/>
+            <a:r>
+              <a:rPr lang="pt-BR" sz="3200" b="1" dirty="0"/>
+              <a:t>Modelagem</a:t>
+            </a:r>
+          </a:p>
+        </p:txBody>
+      </p:sp>
+      <p:sp>
+        <p:nvSpPr>
+          <p:cNvPr id="10" name="TextBox 7">
+            <a:extLst>
+              <a:ext uri="{FF2B5EF4-FFF2-40B4-BE49-F238E27FC236}">
+                <a16:creationId xmlns:a16="http://schemas.microsoft.com/office/drawing/2014/main" id="{AB929119-373A-4441-8F42-0CB7A3C7C5F7}"/>
+              </a:ext>
+            </a:extLst>
+          </p:cNvPr>
+          <p:cNvSpPr txBox="1"/>
+          <p:nvPr/>
+        </p:nvSpPr>
+        <p:spPr>
+          <a:xfrm>
+            <a:off x="1506734" y="966527"/>
+            <a:ext cx="9178517" cy="400110"/>
+          </a:xfrm>
+          <a:prstGeom prst="rect">
+            <a:avLst/>
+          </a:prstGeom>
+          <a:noFill/>
+        </p:spPr>
+        <p:txBody>
+          <a:bodyPr wrap="square" rtlCol="0">
+            <a:spAutoFit/>
+          </a:bodyPr>
+          <a:lstStyle/>
+          <a:p>
+            <a:pPr algn="just">
+              <a:buClr>
+                <a:srgbClr val="00B0F0"/>
+              </a:buClr>
+            </a:pPr>
+            <a:r>
+              <a:rPr lang="pt-BR" sz="2000" dirty="0"/>
+              <a:t>Processo de consulta do cliente no sistema de logística</a:t>
+            </a:r>
+          </a:p>
+        </p:txBody>
+      </p:sp>
+      <p:pic>
+        <p:nvPicPr>
+          <p:cNvPr id="6" name="Imagem 5" descr="Diagrama&#10;&#10;Descrição gerada automaticamente">
+            <a:extLst>
+              <a:ext uri="{FF2B5EF4-FFF2-40B4-BE49-F238E27FC236}">
+                <a16:creationId xmlns:a16="http://schemas.microsoft.com/office/drawing/2014/main" id="{64161005-7F57-4DAA-A48A-055BCE01169A}"/>
+              </a:ext>
+            </a:extLst>
+          </p:cNvPr>
+          <p:cNvPicPr>
+            <a:picLocks noChangeAspect="1"/>
+          </p:cNvPicPr>
+          <p:nvPr/>
+        </p:nvPicPr>
+        <p:blipFill>
+          <a:blip r:embed="rId3">
+            <a:extLst>
+              <a:ext uri="{28A0092B-C50C-407E-A947-70E740481C1C}">
+                <a14:useLocalDpi xmlns:a14="http://schemas.microsoft.com/office/drawing/2010/main" val="0"/>
+              </a:ext>
+            </a:extLst>
+          </a:blip>
+          <a:stretch>
+            <a:fillRect/>
+          </a:stretch>
+        </p:blipFill>
+        <p:spPr>
+          <a:xfrm>
+            <a:off x="3105142" y="1366837"/>
+            <a:ext cx="5981700" cy="4124325"/>
           </a:xfrm>
           <a:prstGeom prst="rect">
             <a:avLst/>
@@ -4330,7 +6474,7 @@
     </p:spTree>
     <p:extLst>
       <p:ext uri="{BB962C8B-B14F-4D97-AF65-F5344CB8AC3E}">
-        <p14:creationId xmlns:p14="http://schemas.microsoft.com/office/powerpoint/2010/main" val="2872755806"/>
+        <p14:creationId xmlns:p14="http://schemas.microsoft.com/office/powerpoint/2010/main" val="3232785523"/>
       </p:ext>
     </p:extLst>
   </p:cSld>

--- a/Trabalho 1 - DM112.pptx
+++ b/Trabalho 1 - DM112.pptx
@@ -123,7 +123,18 @@
   </p:defaultTextStyle>
   <p:extLst>
     <p:ext uri="{EFAFB233-063F-42B5-8137-9DF3F51BA10A}">
-      <p15:sldGuideLst xmlns:p15="http://schemas.microsoft.com/office/powerpoint/2012/main"/>
+      <p15:sldGuideLst xmlns:p15="http://schemas.microsoft.com/office/powerpoint/2012/main">
+        <p15:guide id="1" orient="horz" pos="2160" userDrawn="1">
+          <p15:clr>
+            <a:srgbClr val="A4A3A4"/>
+          </p15:clr>
+        </p15:guide>
+        <p15:guide id="2" pos="3840" userDrawn="1">
+          <p15:clr>
+            <a:srgbClr val="A4A3A4"/>
+          </p15:clr>
+        </p15:guide>
+      </p15:sldGuideLst>
     </p:ext>
   </p:extLst>
 </p:presentation>
@@ -3666,6 +3677,58 @@
           </a:p>
         </p:txBody>
       </p:sp>
+      <p:sp>
+        <p:nvSpPr>
+          <p:cNvPr id="5" name="Retângulo 4">
+            <a:extLst>
+              <a:ext uri="{FF2B5EF4-FFF2-40B4-BE49-F238E27FC236}">
+                <a16:creationId xmlns:a16="http://schemas.microsoft.com/office/drawing/2014/main" id="{0F26F8C6-78A5-4EBF-8DCB-6C03B4474007}"/>
+              </a:ext>
+            </a:extLst>
+          </p:cNvPr>
+          <p:cNvSpPr/>
+          <p:nvPr/>
+        </p:nvSpPr>
+        <p:spPr>
+          <a:xfrm>
+            <a:off x="1195379" y="1796482"/>
+            <a:ext cx="1930376" cy="409255"/>
+          </a:xfrm>
+          <a:prstGeom prst="rect">
+            <a:avLst/>
+          </a:prstGeom>
+          <a:solidFill>
+            <a:srgbClr val="FFFFFF"/>
+          </a:solidFill>
+          <a:ln>
+            <a:noFill/>
+          </a:ln>
+        </p:spPr>
+        <p:style>
+          <a:lnRef idx="2">
+            <a:schemeClr val="accent1">
+              <a:shade val="50000"/>
+            </a:schemeClr>
+          </a:lnRef>
+          <a:fillRef idx="1">
+            <a:schemeClr val="accent1"/>
+          </a:fillRef>
+          <a:effectRef idx="0">
+            <a:schemeClr val="accent1"/>
+          </a:effectRef>
+          <a:fontRef idx="minor">
+            <a:schemeClr val="lt1"/>
+          </a:fontRef>
+        </p:style>
+        <p:txBody>
+          <a:bodyPr rtlCol="0" anchor="ctr"/>
+          <a:lstStyle/>
+          <a:p>
+            <a:pPr algn="ctr"/>
+            <a:endParaRPr lang="pt-BR" dirty="0"/>
+          </a:p>
+        </p:txBody>
+      </p:sp>
     </p:spTree>
     <p:extLst>
       <p:ext uri="{BB962C8B-B14F-4D97-AF65-F5344CB8AC3E}">
@@ -4401,7 +4464,7 @@
         <p:spPr>
           <a:xfrm>
             <a:off x="1506734" y="966527"/>
-            <a:ext cx="9178517" cy="2554545"/>
+            <a:ext cx="9178517" cy="2862322"/>
           </a:xfrm>
           <a:prstGeom prst="rect">
             <a:avLst/>
@@ -4439,7 +4502,18 @@
             <a:pPr algn="just"/>
             <a:r>
               <a:rPr lang="pt-BR" sz="2000" dirty="0"/>
-              <a:t>Sua responsabilidade será, no início do procedimento, lançar estado da entrega a partir de sua saída até o momento de entrega. Uma vez entregue, o mesmo serviço sinaliza com um disparo de e-mail para o cliente. </a:t>
+              <a:t>Sua responsabilidade será, no início do procedimento, lançar estado da entrega a partir de sua saída até o momento de entrega. </a:t>
+            </a:r>
+          </a:p>
+          <a:p>
+            <a:pPr algn="just"/>
+            <a:endParaRPr lang="pt-BR" sz="2000" dirty="0"/>
+          </a:p>
+          <a:p>
+            <a:pPr algn="just"/>
+            <a:r>
+              <a:rPr lang="pt-BR" sz="2000" dirty="0"/>
+              <a:t>Uma vez entregue, o mesmo serviço sinaliza com um disparo de e-mail para o cliente. </a:t>
             </a:r>
           </a:p>
           <a:p>
@@ -4932,8 +5006,8 @@
         </p:blipFill>
         <p:spPr>
           <a:xfrm>
-            <a:off x="2789872" y="1829434"/>
-            <a:ext cx="6612255" cy="2600325"/>
+            <a:off x="2122627" y="2001711"/>
+            <a:ext cx="7946729" cy="3125118"/>
           </a:xfrm>
           <a:prstGeom prst="rect">
             <a:avLst/>
@@ -5492,7 +5566,7 @@
             </a:pPr>
             <a:r>
               <a:rPr lang="pt-BR" sz="2000" dirty="0"/>
-              <a:t>cliente, entregador, servidor de e-mails. (sistema ?)</a:t>
+              <a:t>cliente, entregador, servidor de e-mails.</a:t>
             </a:r>
             <a:endParaRPr lang="pt-BR" sz="2000" b="1" dirty="0"/>
           </a:p>
@@ -5741,7 +5815,7 @@
             </a:pPr>
             <a:r>
               <a:rPr lang="pt-BR" dirty="0"/>
-              <a:t>Provedor de serviço de logística</a:t>
+              <a:t>Provedor de serviço de logística.</a:t>
             </a:r>
             <a:endParaRPr lang="pt-BR" sz="1800" dirty="0"/>
           </a:p>
@@ -6087,7 +6161,7 @@
             </a:pPr>
             <a:r>
               <a:rPr lang="pt-BR" dirty="0"/>
-              <a:t>Processo de consulta do entregador no sistema de logística</a:t>
+              <a:t>Processo de consulta do entregador no sistema de logística.</a:t>
             </a:r>
           </a:p>
           <a:p>
@@ -6104,7 +6178,7 @@
             </a:r>
             <a:r>
               <a:rPr lang="pt-BR" dirty="0"/>
-              <a:t>no sistema de logística</a:t>
+              <a:t>no sistema de logística.</a:t>
             </a:r>
           </a:p>
           <a:p>
@@ -6121,7 +6195,7 @@
             </a:r>
             <a:r>
               <a:rPr lang="pt-BR" dirty="0"/>
-              <a:t>-mails após a entrega do produto</a:t>
+              <a:t>-mails após a entrega do produto.</a:t>
             </a:r>
             <a:endParaRPr lang="pt-BR" sz="1800" dirty="0"/>
           </a:p>
@@ -6215,7 +6289,7 @@
         </p:blipFill>
         <p:spPr>
           <a:xfrm>
-            <a:off x="3105142" y="1556629"/>
+            <a:off x="3105142" y="1625799"/>
             <a:ext cx="5981700" cy="4133850"/>
           </a:xfrm>
           <a:prstGeom prst="rect">
@@ -6463,7 +6537,7 @@
         </p:blipFill>
         <p:spPr>
           <a:xfrm>
-            <a:off x="3105142" y="1366837"/>
+            <a:off x="3105150" y="1625799"/>
             <a:ext cx="5981700" cy="4124325"/>
           </a:xfrm>
           <a:prstGeom prst="rect">
